--- a/Document/StrangeFarmStory - prototype.pptx
+++ b/Document/StrangeFarmStory - prototype.pptx
@@ -7,11 +7,14 @@
   <p:sldIdLst>
     <p:sldId id="258" r:id="rId2"/>
     <p:sldId id="257" r:id="rId3"/>
-    <p:sldId id="259" r:id="rId4"/>
-    <p:sldId id="260" r:id="rId5"/>
-    <p:sldId id="261" r:id="rId6"/>
-    <p:sldId id="263" r:id="rId7"/>
-    <p:sldId id="262" r:id="rId8"/>
+    <p:sldId id="265" r:id="rId4"/>
+    <p:sldId id="264" r:id="rId5"/>
+    <p:sldId id="266" r:id="rId6"/>
+    <p:sldId id="259" r:id="rId7"/>
+    <p:sldId id="260" r:id="rId8"/>
+    <p:sldId id="261" r:id="rId9"/>
+    <p:sldId id="263" r:id="rId10"/>
+    <p:sldId id="262" r:id="rId11"/>
   </p:sldIdLst>
   <p:sldSz cx="12192000" cy="6858000"/>
   <p:notesSz cx="6858000" cy="9144000"/>
@@ -110,6 +113,11 @@
       </a:defRPr>
     </a:lvl9pPr>
   </p:defaultTextStyle>
+  <p:extLst>
+    <p:ext uri="{EFAFB233-063F-42B5-8137-9DF3F51BA10A}">
+      <p15:sldGuideLst xmlns:p15="http://schemas.microsoft.com/office/powerpoint/2012/main"/>
+    </p:ext>
+  </p:extLst>
 </p:presentation>
 </file>
 
@@ -244,7 +252,7 @@
           <a:p>
             <a:fld id="{84316FD8-6DF6-4C6C-A7F0-286656F3135A}" type="datetimeFigureOut">
               <a:rPr lang="ko-KR" altLang="en-US" smtClean="0"/>
-              <a:t>2016-06-01</a:t>
+              <a:t>2016-06-20</a:t>
             </a:fld>
             <a:endParaRPr lang="ko-KR" altLang="en-US"/>
           </a:p>
@@ -414,7 +422,7 @@
           <a:p>
             <a:fld id="{84316FD8-6DF6-4C6C-A7F0-286656F3135A}" type="datetimeFigureOut">
               <a:rPr lang="ko-KR" altLang="en-US" smtClean="0"/>
-              <a:t>2016-06-01</a:t>
+              <a:t>2016-06-20</a:t>
             </a:fld>
             <a:endParaRPr lang="ko-KR" altLang="en-US"/>
           </a:p>
@@ -594,7 +602,7 @@
           <a:p>
             <a:fld id="{84316FD8-6DF6-4C6C-A7F0-286656F3135A}" type="datetimeFigureOut">
               <a:rPr lang="ko-KR" altLang="en-US" smtClean="0"/>
-              <a:t>2016-06-01</a:t>
+              <a:t>2016-06-20</a:t>
             </a:fld>
             <a:endParaRPr lang="ko-KR" altLang="en-US"/>
           </a:p>
@@ -764,7 +772,7 @@
           <a:p>
             <a:fld id="{84316FD8-6DF6-4C6C-A7F0-286656F3135A}" type="datetimeFigureOut">
               <a:rPr lang="ko-KR" altLang="en-US" smtClean="0"/>
-              <a:t>2016-06-01</a:t>
+              <a:t>2016-06-20</a:t>
             </a:fld>
             <a:endParaRPr lang="ko-KR" altLang="en-US"/>
           </a:p>
@@ -1010,7 +1018,7 @@
           <a:p>
             <a:fld id="{84316FD8-6DF6-4C6C-A7F0-286656F3135A}" type="datetimeFigureOut">
               <a:rPr lang="ko-KR" altLang="en-US" smtClean="0"/>
-              <a:t>2016-06-01</a:t>
+              <a:t>2016-06-20</a:t>
             </a:fld>
             <a:endParaRPr lang="ko-KR" altLang="en-US"/>
           </a:p>
@@ -1242,7 +1250,7 @@
           <a:p>
             <a:fld id="{84316FD8-6DF6-4C6C-A7F0-286656F3135A}" type="datetimeFigureOut">
               <a:rPr lang="ko-KR" altLang="en-US" smtClean="0"/>
-              <a:t>2016-06-01</a:t>
+              <a:t>2016-06-20</a:t>
             </a:fld>
             <a:endParaRPr lang="ko-KR" altLang="en-US"/>
           </a:p>
@@ -1609,7 +1617,7 @@
           <a:p>
             <a:fld id="{84316FD8-6DF6-4C6C-A7F0-286656F3135A}" type="datetimeFigureOut">
               <a:rPr lang="ko-KR" altLang="en-US" smtClean="0"/>
-              <a:t>2016-06-01</a:t>
+              <a:t>2016-06-20</a:t>
             </a:fld>
             <a:endParaRPr lang="ko-KR" altLang="en-US"/>
           </a:p>
@@ -1727,7 +1735,7 @@
           <a:p>
             <a:fld id="{84316FD8-6DF6-4C6C-A7F0-286656F3135A}" type="datetimeFigureOut">
               <a:rPr lang="ko-KR" altLang="en-US" smtClean="0"/>
-              <a:t>2016-06-01</a:t>
+              <a:t>2016-06-20</a:t>
             </a:fld>
             <a:endParaRPr lang="ko-KR" altLang="en-US"/>
           </a:p>
@@ -1822,7 +1830,7 @@
           <a:p>
             <a:fld id="{84316FD8-6DF6-4C6C-A7F0-286656F3135A}" type="datetimeFigureOut">
               <a:rPr lang="ko-KR" altLang="en-US" smtClean="0"/>
-              <a:t>2016-06-01</a:t>
+              <a:t>2016-06-20</a:t>
             </a:fld>
             <a:endParaRPr lang="ko-KR" altLang="en-US"/>
           </a:p>
@@ -2099,7 +2107,7 @@
           <a:p>
             <a:fld id="{84316FD8-6DF6-4C6C-A7F0-286656F3135A}" type="datetimeFigureOut">
               <a:rPr lang="ko-KR" altLang="en-US" smtClean="0"/>
-              <a:t>2016-06-01</a:t>
+              <a:t>2016-06-20</a:t>
             </a:fld>
             <a:endParaRPr lang="ko-KR" altLang="en-US"/>
           </a:p>
@@ -2352,7 +2360,7 @@
           <a:p>
             <a:fld id="{84316FD8-6DF6-4C6C-A7F0-286656F3135A}" type="datetimeFigureOut">
               <a:rPr lang="ko-KR" altLang="en-US" smtClean="0"/>
-              <a:t>2016-06-01</a:t>
+              <a:t>2016-06-20</a:t>
             </a:fld>
             <a:endParaRPr lang="ko-KR" altLang="en-US"/>
           </a:p>
@@ -2565,7 +2573,7 @@
           <a:p>
             <a:fld id="{84316FD8-6DF6-4C6C-A7F0-286656F3135A}" type="datetimeFigureOut">
               <a:rPr lang="ko-KR" altLang="en-US" smtClean="0"/>
-              <a:t>2016-06-01</a:t>
+              <a:t>2016-06-20</a:t>
             </a:fld>
             <a:endParaRPr lang="ko-KR" altLang="en-US"/>
           </a:p>
@@ -3184,6 +3192,123 @@
 </p:sld>
 </file>
 
+<file path=ppt/slides/slide10.xml><?xml version="1.0" encoding="utf-8"?>
+<p:sld xmlns:a="http://schemas.openxmlformats.org/drawingml/2006/main" xmlns:r="http://schemas.openxmlformats.org/officeDocument/2006/relationships" xmlns:p="http://schemas.openxmlformats.org/presentationml/2006/main">
+  <p:cSld>
+    <p:bg>
+      <p:bgPr>
+        <a:blipFill dpi="0" rotWithShape="1">
+          <a:blip r:embed="rId2">
+            <a:alphaModFix amt="30000"/>
+            <a:lum/>
+          </a:blip>
+          <a:srcRect/>
+          <a:stretch>
+            <a:fillRect t="-13000" b="-13000"/>
+          </a:stretch>
+        </a:blipFill>
+        <a:effectLst/>
+      </p:bgPr>
+    </p:bg>
+    <p:spTree>
+      <p:nvGrpSpPr>
+        <p:cNvPr id="1" name=""/>
+        <p:cNvGrpSpPr/>
+        <p:nvPr/>
+      </p:nvGrpSpPr>
+      <p:grpSpPr>
+        <a:xfrm>
+          <a:off x="0" y="0"/>
+          <a:ext cx="0" cy="0"/>
+          <a:chOff x="0" y="0"/>
+          <a:chExt cx="0" cy="0"/>
+        </a:xfrm>
+      </p:grpSpPr>
+      <p:sp>
+        <p:nvSpPr>
+          <p:cNvPr id="2" name="제목 1"/>
+          <p:cNvSpPr txBox="1">
+            <a:spLocks/>
+          </p:cNvSpPr>
+          <p:nvPr/>
+        </p:nvSpPr>
+        <p:spPr>
+          <a:xfrm>
+            <a:off x="2667000" y="2648741"/>
+            <a:ext cx="10515600" cy="1325563"/>
+          </a:xfrm>
+          <a:prstGeom prst="rect">
+            <a:avLst/>
+          </a:prstGeom>
+        </p:spPr>
+        <p:txBody>
+          <a:bodyPr vert="horz" lIns="91440" tIns="45720" rIns="91440" bIns="45720" rtlCol="0" anchor="b">
+            <a:noAutofit/>
+          </a:bodyPr>
+          <a:lstStyle>
+            <a:lvl1pPr algn="ctr" defTabSz="914400" rtl="0" eaLnBrk="1" latinLnBrk="1" hangingPunct="1">
+              <a:lnSpc>
+                <a:spcPct val="90000"/>
+              </a:lnSpc>
+              <a:spcBef>
+                <a:spcPct val="0"/>
+              </a:spcBef>
+              <a:buNone/>
+              <a:defRPr sz="6000" kern="1200">
+                <a:solidFill>
+                  <a:schemeClr val="tx1"/>
+                </a:solidFill>
+                <a:latin typeface="+mj-lt"/>
+                <a:ea typeface="+mj-ea"/>
+                <a:cs typeface="+mj-cs"/>
+              </a:defRPr>
+            </a:lvl1pPr>
+          </a:lstStyle>
+          <a:p>
+            <a:pPr algn="l"/>
+            <a:r>
+              <a:rPr lang="ko-KR" altLang="en-US" sz="8000" dirty="0" smtClean="0">
+                <a:solidFill>
+                  <a:srgbClr val="006A0E"/>
+                </a:solidFill>
+                <a:latin typeface="1훈하얀고양이 R" panose="02020603020101020101" pitchFamily="18" charset="-127"/>
+                <a:ea typeface="1훈하얀고양이 R" panose="02020603020101020101" pitchFamily="18" charset="-127"/>
+              </a:rPr>
+              <a:t>물어볼 것이 있으신가요</a:t>
+            </a:r>
+            <a:r>
+              <a:rPr lang="en-US" altLang="ko-KR" sz="8000" dirty="0" smtClean="0">
+                <a:solidFill>
+                  <a:srgbClr val="006A0E"/>
+                </a:solidFill>
+                <a:latin typeface="1훈하얀고양이 R" panose="02020603020101020101" pitchFamily="18" charset="-127"/>
+                <a:ea typeface="1훈하얀고양이 R" panose="02020603020101020101" pitchFamily="18" charset="-127"/>
+              </a:rPr>
+              <a:t>?</a:t>
+            </a:r>
+            <a:endParaRPr lang="ko-KR" altLang="en-US" sz="8000" dirty="0">
+              <a:solidFill>
+                <a:srgbClr val="006A0E"/>
+              </a:solidFill>
+              <a:latin typeface="1훈하얀고양이 R" panose="02020603020101020101" pitchFamily="18" charset="-127"/>
+              <a:ea typeface="1훈하얀고양이 R" panose="02020603020101020101" pitchFamily="18" charset="-127"/>
+            </a:endParaRPr>
+          </a:p>
+        </p:txBody>
+      </p:sp>
+    </p:spTree>
+    <p:extLst>
+      <p:ext uri="{BB962C8B-B14F-4D97-AF65-F5344CB8AC3E}">
+        <p14:creationId xmlns:p14="http://schemas.microsoft.com/office/powerpoint/2010/main" val="285737419"/>
+      </p:ext>
+    </p:extLst>
+  </p:cSld>
+  <p:clrMapOvr>
+    <a:masterClrMapping/>
+  </p:clrMapOvr>
+</p:sld>
+</file>
+
 <file path=ppt/slides/slide2.xml><?xml version="1.0" encoding="utf-8"?>
 <p:sld xmlns:a="http://schemas.openxmlformats.org/drawingml/2006/main" xmlns:r="http://schemas.openxmlformats.org/officeDocument/2006/relationships" xmlns:p="http://schemas.openxmlformats.org/presentationml/2006/main">
   <p:cSld>
@@ -3862,14 +3987,7 @@
                 <a:latin typeface="1훈하얀고양이 R" panose="02020603020101020101" pitchFamily="18" charset="-127"/>
                 <a:ea typeface="1훈하얀고양이 R" panose="02020603020101020101" pitchFamily="18" charset="-127"/>
               </a:rPr>
-              <a:t>스테이지 </a:t>
-            </a:r>
-            <a:r>
-              <a:rPr lang="ko-KR" altLang="en-US" sz="2400" dirty="0" smtClean="0">
-                <a:latin typeface="1훈하얀고양이 R" panose="02020603020101020101" pitchFamily="18" charset="-127"/>
-                <a:ea typeface="1훈하얀고양이 R" panose="02020603020101020101" pitchFamily="18" charset="-127"/>
-              </a:rPr>
-              <a:t>시작</a:t>
+              <a:t>스테이지 시작</a:t>
             </a:r>
             <a:endParaRPr lang="en-US" altLang="ko-KR" sz="2400" dirty="0" smtClean="0">
               <a:latin typeface="1훈하얀고양이 R" panose="02020603020101020101" pitchFamily="18" charset="-127"/>
@@ -5702,7 +5820,70 @@
       </p:grpSpPr>
       <p:sp>
         <p:nvSpPr>
-          <p:cNvPr id="4" name="제목 1"/>
+          <p:cNvPr id="4" name="직사각형 3"/>
+          <p:cNvSpPr/>
+          <p:nvPr/>
+        </p:nvSpPr>
+        <p:spPr>
+          <a:xfrm>
+            <a:off x="691976" y="3788115"/>
+            <a:ext cx="1968843" cy="733167"/>
+          </a:xfrm>
+          <a:prstGeom prst="rect">
+            <a:avLst/>
+          </a:prstGeom>
+          <a:solidFill>
+            <a:schemeClr val="accent6">
+              <a:lumMod val="60000"/>
+              <a:lumOff val="40000"/>
+            </a:schemeClr>
+          </a:solidFill>
+          <a:ln>
+            <a:solidFill>
+              <a:schemeClr val="accent6">
+                <a:lumMod val="50000"/>
+              </a:schemeClr>
+            </a:solidFill>
+          </a:ln>
+        </p:spPr>
+        <p:style>
+          <a:lnRef idx="2">
+            <a:schemeClr val="accent1">
+              <a:shade val="50000"/>
+            </a:schemeClr>
+          </a:lnRef>
+          <a:fillRef idx="1">
+            <a:schemeClr val="accent1"/>
+          </a:fillRef>
+          <a:effectRef idx="0">
+            <a:schemeClr val="accent1"/>
+          </a:effectRef>
+          <a:fontRef idx="minor">
+            <a:schemeClr val="lt1"/>
+          </a:fontRef>
+        </p:style>
+        <p:txBody>
+          <a:bodyPr rtlCol="0" anchor="ctr"/>
+          <a:lstStyle/>
+          <a:p>
+            <a:pPr algn="ctr"/>
+            <a:r>
+              <a:rPr lang="ko-KR" altLang="en-US" sz="2400" dirty="0" smtClean="0">
+                <a:latin typeface="1훈하얀고양이 R" panose="02020603020101020101" pitchFamily="18" charset="-127"/>
+                <a:ea typeface="1훈하얀고양이 R" panose="02020603020101020101" pitchFamily="18" charset="-127"/>
+              </a:rPr>
+              <a:t>농장 매니저</a:t>
+            </a:r>
+            <a:endParaRPr lang="ko-KR" altLang="en-US" sz="2400" dirty="0">
+              <a:latin typeface="1훈하얀고양이 R" panose="02020603020101020101" pitchFamily="18" charset="-127"/>
+              <a:ea typeface="1훈하얀고양이 R" panose="02020603020101020101" pitchFamily="18" charset="-127"/>
+            </a:endParaRPr>
+          </a:p>
+        </p:txBody>
+      </p:sp>
+      <p:sp>
+        <p:nvSpPr>
+          <p:cNvPr id="21" name="제목 1"/>
           <p:cNvSpPr txBox="1">
             <a:spLocks/>
           </p:cNvSpPr>
@@ -5750,7 +5931,7 @@
                 <a:latin typeface="1훈하얀고양이 R" panose="02020603020101020101" pitchFamily="18" charset="-127"/>
                 <a:ea typeface="1훈하얀고양이 R" panose="02020603020101020101" pitchFamily="18" charset="-127"/>
               </a:rPr>
-              <a:t>농장 전경</a:t>
+              <a:t>게임 구성</a:t>
             </a:r>
             <a:endParaRPr lang="ko-KR" altLang="en-US" dirty="0">
               <a:solidFill>
@@ -5762,36 +5943,2876 @@
           </a:p>
         </p:txBody>
       </p:sp>
-      <p:pic>
-        <p:nvPicPr>
-          <p:cNvPr id="2" name="그림 1"/>
-          <p:cNvPicPr>
-            <a:picLocks noChangeAspect="1"/>
-          </p:cNvPicPr>
+      <p:sp>
+        <p:nvSpPr>
+          <p:cNvPr id="22" name="직사각형 21"/>
+          <p:cNvSpPr/>
           <p:nvPr/>
-        </p:nvPicPr>
-        <p:blipFill>
-          <a:blip r:embed="rId3">
-            <a:extLst>
-              <a:ext uri="{28A0092B-C50C-407E-A947-70E740481C1C}">
-                <a14:useLocalDpi xmlns:a14="http://schemas.microsoft.com/office/drawing/2010/main" val="0"/>
-              </a:ext>
-            </a:extLst>
-          </a:blip>
-          <a:stretch>
-            <a:fillRect/>
-          </a:stretch>
-        </p:blipFill>
+        </p:nvSpPr>
         <p:spPr>
           <a:xfrm>
-            <a:off x="1080655" y="1437739"/>
-            <a:ext cx="10058400" cy="5190579"/>
+            <a:off x="5678864" y="3788114"/>
+            <a:ext cx="1968843" cy="733167"/>
           </a:xfrm>
           <a:prstGeom prst="rect">
             <a:avLst/>
           </a:prstGeom>
-        </p:spPr>
-      </p:pic>
+          <a:solidFill>
+            <a:schemeClr val="accent6">
+              <a:lumMod val="60000"/>
+              <a:lumOff val="40000"/>
+            </a:schemeClr>
+          </a:solidFill>
+          <a:ln>
+            <a:solidFill>
+              <a:schemeClr val="accent6">
+                <a:lumMod val="50000"/>
+              </a:schemeClr>
+            </a:solidFill>
+          </a:ln>
+        </p:spPr>
+        <p:style>
+          <a:lnRef idx="2">
+            <a:schemeClr val="accent1">
+              <a:shade val="50000"/>
+            </a:schemeClr>
+          </a:lnRef>
+          <a:fillRef idx="1">
+            <a:schemeClr val="accent1"/>
+          </a:fillRef>
+          <a:effectRef idx="0">
+            <a:schemeClr val="accent1"/>
+          </a:effectRef>
+          <a:fontRef idx="minor">
+            <a:schemeClr val="lt1"/>
+          </a:fontRef>
+        </p:style>
+        <p:txBody>
+          <a:bodyPr rtlCol="0" anchor="ctr"/>
+          <a:lstStyle/>
+          <a:p>
+            <a:pPr algn="ctr"/>
+            <a:r>
+              <a:rPr lang="ko-KR" altLang="en-US" sz="2400" dirty="0" smtClean="0">
+                <a:latin typeface="1훈하얀고양이 R" panose="02020603020101020101" pitchFamily="18" charset="-127"/>
+                <a:ea typeface="1훈하얀고양이 R" panose="02020603020101020101" pitchFamily="18" charset="-127"/>
+              </a:rPr>
+              <a:t>상점 </a:t>
+            </a:r>
+            <a:r>
+              <a:rPr lang="ko-KR" altLang="en-US" sz="2400" dirty="0" smtClean="0">
+                <a:latin typeface="1훈하얀고양이 R" panose="02020603020101020101" pitchFamily="18" charset="-127"/>
+                <a:ea typeface="1훈하얀고양이 R" panose="02020603020101020101" pitchFamily="18" charset="-127"/>
+              </a:rPr>
+              <a:t>매니저</a:t>
+            </a:r>
+            <a:endParaRPr lang="ko-KR" altLang="en-US" sz="2400" dirty="0">
+              <a:latin typeface="1훈하얀고양이 R" panose="02020603020101020101" pitchFamily="18" charset="-127"/>
+              <a:ea typeface="1훈하얀고양이 R" panose="02020603020101020101" pitchFamily="18" charset="-127"/>
+            </a:endParaRPr>
+          </a:p>
+        </p:txBody>
+      </p:sp>
+      <p:sp>
+        <p:nvSpPr>
+          <p:cNvPr id="23" name="직사각형 22"/>
+          <p:cNvSpPr/>
+          <p:nvPr/>
+        </p:nvSpPr>
+        <p:spPr>
+          <a:xfrm>
+            <a:off x="691976" y="1464015"/>
+            <a:ext cx="1968843" cy="733167"/>
+          </a:xfrm>
+          <a:prstGeom prst="rect">
+            <a:avLst/>
+          </a:prstGeom>
+          <a:solidFill>
+            <a:schemeClr val="accent6">
+              <a:lumMod val="60000"/>
+              <a:lumOff val="40000"/>
+            </a:schemeClr>
+          </a:solidFill>
+          <a:ln>
+            <a:solidFill>
+              <a:schemeClr val="accent6">
+                <a:lumMod val="50000"/>
+              </a:schemeClr>
+            </a:solidFill>
+          </a:ln>
+        </p:spPr>
+        <p:style>
+          <a:lnRef idx="2">
+            <a:schemeClr val="accent1">
+              <a:shade val="50000"/>
+            </a:schemeClr>
+          </a:lnRef>
+          <a:fillRef idx="1">
+            <a:schemeClr val="accent1"/>
+          </a:fillRef>
+          <a:effectRef idx="0">
+            <a:schemeClr val="accent1"/>
+          </a:effectRef>
+          <a:fontRef idx="minor">
+            <a:schemeClr val="lt1"/>
+          </a:fontRef>
+        </p:style>
+        <p:txBody>
+          <a:bodyPr rtlCol="0" anchor="ctr"/>
+          <a:lstStyle/>
+          <a:p>
+            <a:pPr algn="ctr"/>
+            <a:r>
+              <a:rPr lang="ko-KR" altLang="en-US" sz="2400" dirty="0" smtClean="0">
+                <a:latin typeface="1훈하얀고양이 R" panose="02020603020101020101" pitchFamily="18" charset="-127"/>
+                <a:ea typeface="1훈하얀고양이 R" panose="02020603020101020101" pitchFamily="18" charset="-127"/>
+              </a:rPr>
+              <a:t>게임 </a:t>
+            </a:r>
+            <a:r>
+              <a:rPr lang="ko-KR" altLang="en-US" sz="2400" dirty="0" smtClean="0">
+                <a:latin typeface="1훈하얀고양이 R" panose="02020603020101020101" pitchFamily="18" charset="-127"/>
+                <a:ea typeface="1훈하얀고양이 R" panose="02020603020101020101" pitchFamily="18" charset="-127"/>
+              </a:rPr>
+              <a:t>매니저</a:t>
+            </a:r>
+            <a:endParaRPr lang="ko-KR" altLang="en-US" sz="2400" dirty="0">
+              <a:latin typeface="1훈하얀고양이 R" panose="02020603020101020101" pitchFamily="18" charset="-127"/>
+              <a:ea typeface="1훈하얀고양이 R" panose="02020603020101020101" pitchFamily="18" charset="-127"/>
+            </a:endParaRPr>
+          </a:p>
+        </p:txBody>
+      </p:sp>
+      <p:sp>
+        <p:nvSpPr>
+          <p:cNvPr id="25" name="직사각형 24"/>
+          <p:cNvSpPr/>
+          <p:nvPr/>
+        </p:nvSpPr>
+        <p:spPr>
+          <a:xfrm>
+            <a:off x="3185420" y="3788114"/>
+            <a:ext cx="1968843" cy="733167"/>
+          </a:xfrm>
+          <a:prstGeom prst="rect">
+            <a:avLst/>
+          </a:prstGeom>
+          <a:solidFill>
+            <a:schemeClr val="accent6">
+              <a:lumMod val="60000"/>
+              <a:lumOff val="40000"/>
+            </a:schemeClr>
+          </a:solidFill>
+          <a:ln>
+            <a:solidFill>
+              <a:schemeClr val="accent6">
+                <a:lumMod val="50000"/>
+              </a:schemeClr>
+            </a:solidFill>
+          </a:ln>
+        </p:spPr>
+        <p:style>
+          <a:lnRef idx="2">
+            <a:schemeClr val="accent1">
+              <a:shade val="50000"/>
+            </a:schemeClr>
+          </a:lnRef>
+          <a:fillRef idx="1">
+            <a:schemeClr val="accent1"/>
+          </a:fillRef>
+          <a:effectRef idx="0">
+            <a:schemeClr val="accent1"/>
+          </a:effectRef>
+          <a:fontRef idx="minor">
+            <a:schemeClr val="lt1"/>
+          </a:fontRef>
+        </p:style>
+        <p:txBody>
+          <a:bodyPr rtlCol="0" anchor="ctr"/>
+          <a:lstStyle/>
+          <a:p>
+            <a:pPr algn="ctr"/>
+            <a:r>
+              <a:rPr lang="ko-KR" altLang="en-US" sz="2400" dirty="0" smtClean="0">
+                <a:latin typeface="1훈하얀고양이 R" panose="02020603020101020101" pitchFamily="18" charset="-127"/>
+                <a:ea typeface="1훈하얀고양이 R" panose="02020603020101020101" pitchFamily="18" charset="-127"/>
+              </a:rPr>
+              <a:t>농장 </a:t>
+            </a:r>
+            <a:r>
+              <a:rPr lang="en-US" altLang="ko-KR" sz="2400" dirty="0" smtClean="0">
+                <a:latin typeface="1훈하얀고양이 R" panose="02020603020101020101" pitchFamily="18" charset="-127"/>
+                <a:ea typeface="1훈하얀고양이 R" panose="02020603020101020101" pitchFamily="18" charset="-127"/>
+              </a:rPr>
+              <a:t>UI</a:t>
+            </a:r>
+            <a:endParaRPr lang="ko-KR" altLang="en-US" sz="2400" dirty="0">
+              <a:latin typeface="1훈하얀고양이 R" panose="02020603020101020101" pitchFamily="18" charset="-127"/>
+              <a:ea typeface="1훈하얀고양이 R" panose="02020603020101020101" pitchFamily="18" charset="-127"/>
+            </a:endParaRPr>
+          </a:p>
+        </p:txBody>
+      </p:sp>
+      <p:sp>
+        <p:nvSpPr>
+          <p:cNvPr id="26" name="직사각형 25"/>
+          <p:cNvSpPr/>
+          <p:nvPr/>
+        </p:nvSpPr>
+        <p:spPr>
+          <a:xfrm>
+            <a:off x="3551186" y="1473641"/>
+            <a:ext cx="1968843" cy="733167"/>
+          </a:xfrm>
+          <a:prstGeom prst="rect">
+            <a:avLst/>
+          </a:prstGeom>
+          <a:solidFill>
+            <a:schemeClr val="accent6">
+              <a:lumMod val="60000"/>
+              <a:lumOff val="40000"/>
+            </a:schemeClr>
+          </a:solidFill>
+          <a:ln>
+            <a:solidFill>
+              <a:schemeClr val="accent6">
+                <a:lumMod val="50000"/>
+              </a:schemeClr>
+            </a:solidFill>
+          </a:ln>
+        </p:spPr>
+        <p:style>
+          <a:lnRef idx="2">
+            <a:schemeClr val="accent1">
+              <a:shade val="50000"/>
+            </a:schemeClr>
+          </a:lnRef>
+          <a:fillRef idx="1">
+            <a:schemeClr val="accent1"/>
+          </a:fillRef>
+          <a:effectRef idx="0">
+            <a:schemeClr val="accent1"/>
+          </a:effectRef>
+          <a:fontRef idx="minor">
+            <a:schemeClr val="lt1"/>
+          </a:fontRef>
+        </p:style>
+        <p:txBody>
+          <a:bodyPr rtlCol="0" anchor="ctr"/>
+          <a:lstStyle/>
+          <a:p>
+            <a:pPr algn="ctr"/>
+            <a:r>
+              <a:rPr lang="ko-KR" altLang="en-US" sz="2400" dirty="0" smtClean="0">
+                <a:latin typeface="1훈하얀고양이 R" panose="02020603020101020101" pitchFamily="18" charset="-127"/>
+                <a:ea typeface="1훈하얀고양이 R" panose="02020603020101020101" pitchFamily="18" charset="-127"/>
+              </a:rPr>
+              <a:t>게임</a:t>
+            </a:r>
+            <a:r>
+              <a:rPr lang="en-US" altLang="ko-KR" sz="2400" dirty="0">
+                <a:latin typeface="1훈하얀고양이 R" panose="02020603020101020101" pitchFamily="18" charset="-127"/>
+                <a:ea typeface="1훈하얀고양이 R" panose="02020603020101020101" pitchFamily="18" charset="-127"/>
+              </a:rPr>
+              <a:t> </a:t>
+            </a:r>
+            <a:r>
+              <a:rPr lang="en-US" altLang="ko-KR" sz="2400" dirty="0" smtClean="0">
+                <a:latin typeface="1훈하얀고양이 R" panose="02020603020101020101" pitchFamily="18" charset="-127"/>
+                <a:ea typeface="1훈하얀고양이 R" panose="02020603020101020101" pitchFamily="18" charset="-127"/>
+              </a:rPr>
+              <a:t>UI</a:t>
+            </a:r>
+            <a:endParaRPr lang="ko-KR" altLang="en-US" sz="2400" dirty="0">
+              <a:latin typeface="1훈하얀고양이 R" panose="02020603020101020101" pitchFamily="18" charset="-127"/>
+              <a:ea typeface="1훈하얀고양이 R" panose="02020603020101020101" pitchFamily="18" charset="-127"/>
+            </a:endParaRPr>
+          </a:p>
+        </p:txBody>
+      </p:sp>
+      <p:sp>
+        <p:nvSpPr>
+          <p:cNvPr id="27" name="직사각형 26"/>
+          <p:cNvSpPr/>
+          <p:nvPr/>
+        </p:nvSpPr>
+        <p:spPr>
+          <a:xfrm>
+            <a:off x="8172308" y="3788113"/>
+            <a:ext cx="1968843" cy="733167"/>
+          </a:xfrm>
+          <a:prstGeom prst="rect">
+            <a:avLst/>
+          </a:prstGeom>
+          <a:solidFill>
+            <a:schemeClr val="accent6">
+              <a:lumMod val="60000"/>
+              <a:lumOff val="40000"/>
+            </a:schemeClr>
+          </a:solidFill>
+          <a:ln>
+            <a:solidFill>
+              <a:schemeClr val="accent6">
+                <a:lumMod val="50000"/>
+              </a:schemeClr>
+            </a:solidFill>
+          </a:ln>
+        </p:spPr>
+        <p:style>
+          <a:lnRef idx="2">
+            <a:schemeClr val="accent1">
+              <a:shade val="50000"/>
+            </a:schemeClr>
+          </a:lnRef>
+          <a:fillRef idx="1">
+            <a:schemeClr val="accent1"/>
+          </a:fillRef>
+          <a:effectRef idx="0">
+            <a:schemeClr val="accent1"/>
+          </a:effectRef>
+          <a:fontRef idx="minor">
+            <a:schemeClr val="lt1"/>
+          </a:fontRef>
+        </p:style>
+        <p:txBody>
+          <a:bodyPr rtlCol="0" anchor="ctr"/>
+          <a:lstStyle/>
+          <a:p>
+            <a:pPr algn="ctr"/>
+            <a:r>
+              <a:rPr lang="ko-KR" altLang="en-US" sz="2400" dirty="0" smtClean="0">
+                <a:latin typeface="1훈하얀고양이 R" panose="02020603020101020101" pitchFamily="18" charset="-127"/>
+                <a:ea typeface="1훈하얀고양이 R" panose="02020603020101020101" pitchFamily="18" charset="-127"/>
+              </a:rPr>
+              <a:t>상점 </a:t>
+            </a:r>
+            <a:r>
+              <a:rPr lang="en-US" altLang="ko-KR" sz="2400" dirty="0" smtClean="0">
+                <a:latin typeface="1훈하얀고양이 R" panose="02020603020101020101" pitchFamily="18" charset="-127"/>
+                <a:ea typeface="1훈하얀고양이 R" panose="02020603020101020101" pitchFamily="18" charset="-127"/>
+              </a:rPr>
+              <a:t>UI</a:t>
+            </a:r>
+            <a:endParaRPr lang="ko-KR" altLang="en-US" sz="2400" dirty="0">
+              <a:latin typeface="1훈하얀고양이 R" panose="02020603020101020101" pitchFamily="18" charset="-127"/>
+              <a:ea typeface="1훈하얀고양이 R" panose="02020603020101020101" pitchFamily="18" charset="-127"/>
+            </a:endParaRPr>
+          </a:p>
+        </p:txBody>
+      </p:sp>
+      <p:cxnSp>
+        <p:nvCxnSpPr>
+          <p:cNvPr id="18" name="직선 화살표 연결선 17"/>
+          <p:cNvCxnSpPr>
+            <a:stCxn id="23" idx="2"/>
+            <a:endCxn id="4" idx="0"/>
+          </p:cNvCxnSpPr>
+          <p:nvPr/>
+        </p:nvCxnSpPr>
+        <p:spPr>
+          <a:xfrm>
+            <a:off x="1676398" y="2197182"/>
+            <a:ext cx="0" cy="1590933"/>
+          </a:xfrm>
+          <a:prstGeom prst="straightConnector1">
+            <a:avLst/>
+          </a:prstGeom>
+          <a:ln>
+            <a:tailEnd type="triangle"/>
+          </a:ln>
+        </p:spPr>
+        <p:style>
+          <a:lnRef idx="1">
+            <a:schemeClr val="accent1"/>
+          </a:lnRef>
+          <a:fillRef idx="0">
+            <a:schemeClr val="accent1"/>
+          </a:fillRef>
+          <a:effectRef idx="0">
+            <a:schemeClr val="accent1"/>
+          </a:effectRef>
+          <a:fontRef idx="minor">
+            <a:schemeClr val="tx1"/>
+          </a:fontRef>
+        </p:style>
+      </p:cxnSp>
+      <p:cxnSp>
+        <p:nvCxnSpPr>
+          <p:cNvPr id="28" name="꺾인 연결선 27"/>
+          <p:cNvCxnSpPr>
+            <a:stCxn id="23" idx="2"/>
+            <a:endCxn id="25" idx="0"/>
+          </p:cNvCxnSpPr>
+          <p:nvPr/>
+        </p:nvCxnSpPr>
+        <p:spPr>
+          <a:xfrm rot="16200000" flipH="1">
+            <a:off x="2127654" y="1745926"/>
+            <a:ext cx="1590932" cy="2493444"/>
+          </a:xfrm>
+          <a:prstGeom prst="bentConnector3">
+            <a:avLst/>
+          </a:prstGeom>
+          <a:ln>
+            <a:tailEnd type="triangle"/>
+          </a:ln>
+        </p:spPr>
+        <p:style>
+          <a:lnRef idx="1">
+            <a:schemeClr val="accent1"/>
+          </a:lnRef>
+          <a:fillRef idx="0">
+            <a:schemeClr val="accent1"/>
+          </a:fillRef>
+          <a:effectRef idx="0">
+            <a:schemeClr val="accent1"/>
+          </a:effectRef>
+          <a:fontRef idx="minor">
+            <a:schemeClr val="tx1"/>
+          </a:fontRef>
+        </p:style>
+      </p:cxnSp>
+      <p:cxnSp>
+        <p:nvCxnSpPr>
+          <p:cNvPr id="30" name="직선 화살표 연결선 29"/>
+          <p:cNvCxnSpPr>
+            <a:stCxn id="23" idx="3"/>
+            <a:endCxn id="26" idx="1"/>
+          </p:cNvCxnSpPr>
+          <p:nvPr/>
+        </p:nvCxnSpPr>
+        <p:spPr>
+          <a:xfrm>
+            <a:off x="2660819" y="1830599"/>
+            <a:ext cx="890367" cy="9626"/>
+          </a:xfrm>
+          <a:prstGeom prst="straightConnector1">
+            <a:avLst/>
+          </a:prstGeom>
+          <a:ln>
+            <a:tailEnd type="triangle"/>
+          </a:ln>
+        </p:spPr>
+        <p:style>
+          <a:lnRef idx="1">
+            <a:schemeClr val="accent1"/>
+          </a:lnRef>
+          <a:fillRef idx="0">
+            <a:schemeClr val="accent1"/>
+          </a:fillRef>
+          <a:effectRef idx="0">
+            <a:schemeClr val="accent1"/>
+          </a:effectRef>
+          <a:fontRef idx="minor">
+            <a:schemeClr val="tx1"/>
+          </a:fontRef>
+        </p:style>
+      </p:cxnSp>
+      <p:cxnSp>
+        <p:nvCxnSpPr>
+          <p:cNvPr id="32" name="직선 화살표 연결선 31"/>
+          <p:cNvCxnSpPr/>
+          <p:nvPr/>
+        </p:nvCxnSpPr>
+        <p:spPr>
+          <a:xfrm flipH="1" flipV="1">
+            <a:off x="2660819" y="2009775"/>
+            <a:ext cx="890367" cy="9525"/>
+          </a:xfrm>
+          <a:prstGeom prst="straightConnector1">
+            <a:avLst/>
+          </a:prstGeom>
+          <a:ln>
+            <a:tailEnd type="triangle"/>
+          </a:ln>
+        </p:spPr>
+        <p:style>
+          <a:lnRef idx="1">
+            <a:schemeClr val="accent1"/>
+          </a:lnRef>
+          <a:fillRef idx="0">
+            <a:schemeClr val="accent1"/>
+          </a:fillRef>
+          <a:effectRef idx="0">
+            <a:schemeClr val="accent1"/>
+          </a:effectRef>
+          <a:fontRef idx="minor">
+            <a:schemeClr val="tx1"/>
+          </a:fontRef>
+        </p:style>
+      </p:cxnSp>
+      <p:cxnSp>
+        <p:nvCxnSpPr>
+          <p:cNvPr id="37" name="직선 화살표 연결선 36"/>
+          <p:cNvCxnSpPr>
+            <a:stCxn id="4" idx="3"/>
+            <a:endCxn id="25" idx="1"/>
+          </p:cNvCxnSpPr>
+          <p:nvPr/>
+        </p:nvCxnSpPr>
+        <p:spPr>
+          <a:xfrm flipV="1">
+            <a:off x="2660819" y="4154698"/>
+            <a:ext cx="524601" cy="1"/>
+          </a:xfrm>
+          <a:prstGeom prst="straightConnector1">
+            <a:avLst/>
+          </a:prstGeom>
+          <a:ln>
+            <a:tailEnd type="triangle"/>
+          </a:ln>
+        </p:spPr>
+        <p:style>
+          <a:lnRef idx="1">
+            <a:schemeClr val="accent1"/>
+          </a:lnRef>
+          <a:fillRef idx="0">
+            <a:schemeClr val="accent1"/>
+          </a:fillRef>
+          <a:effectRef idx="0">
+            <a:schemeClr val="accent1"/>
+          </a:effectRef>
+          <a:fontRef idx="minor">
+            <a:schemeClr val="tx1"/>
+          </a:fontRef>
+        </p:style>
+      </p:cxnSp>
+      <p:cxnSp>
+        <p:nvCxnSpPr>
+          <p:cNvPr id="39" name="직선 화살표 연결선 38"/>
+          <p:cNvCxnSpPr/>
+          <p:nvPr/>
+        </p:nvCxnSpPr>
+        <p:spPr>
+          <a:xfrm flipH="1">
+            <a:off x="2660819" y="4343400"/>
+            <a:ext cx="524601" cy="0"/>
+          </a:xfrm>
+          <a:prstGeom prst="straightConnector1">
+            <a:avLst/>
+          </a:prstGeom>
+          <a:ln>
+            <a:tailEnd type="triangle"/>
+          </a:ln>
+        </p:spPr>
+        <p:style>
+          <a:lnRef idx="1">
+            <a:schemeClr val="accent1"/>
+          </a:lnRef>
+          <a:fillRef idx="0">
+            <a:schemeClr val="accent1"/>
+          </a:fillRef>
+          <a:effectRef idx="0">
+            <a:schemeClr val="accent1"/>
+          </a:effectRef>
+          <a:fontRef idx="minor">
+            <a:schemeClr val="tx1"/>
+          </a:fontRef>
+        </p:style>
+      </p:cxnSp>
+      <p:cxnSp>
+        <p:nvCxnSpPr>
+          <p:cNvPr id="43" name="직선 화살표 연결선 42"/>
+          <p:cNvCxnSpPr/>
+          <p:nvPr/>
+        </p:nvCxnSpPr>
+        <p:spPr>
+          <a:xfrm flipH="1">
+            <a:off x="7647707" y="4343400"/>
+            <a:ext cx="524601" cy="0"/>
+          </a:xfrm>
+          <a:prstGeom prst="straightConnector1">
+            <a:avLst/>
+          </a:prstGeom>
+          <a:ln>
+            <a:tailEnd type="triangle"/>
+          </a:ln>
+        </p:spPr>
+        <p:style>
+          <a:lnRef idx="1">
+            <a:schemeClr val="accent1"/>
+          </a:lnRef>
+          <a:fillRef idx="0">
+            <a:schemeClr val="accent1"/>
+          </a:fillRef>
+          <a:effectRef idx="0">
+            <a:schemeClr val="accent1"/>
+          </a:effectRef>
+          <a:fontRef idx="minor">
+            <a:schemeClr val="tx1"/>
+          </a:fontRef>
+        </p:style>
+      </p:cxnSp>
+      <p:cxnSp>
+        <p:nvCxnSpPr>
+          <p:cNvPr id="41" name="직선 화살표 연결선 40"/>
+          <p:cNvCxnSpPr>
+            <a:stCxn id="22" idx="3"/>
+            <a:endCxn id="27" idx="1"/>
+          </p:cNvCxnSpPr>
+          <p:nvPr/>
+        </p:nvCxnSpPr>
+        <p:spPr>
+          <a:xfrm flipV="1">
+            <a:off x="7647707" y="4154697"/>
+            <a:ext cx="524601" cy="1"/>
+          </a:xfrm>
+          <a:prstGeom prst="straightConnector1">
+            <a:avLst/>
+          </a:prstGeom>
+          <a:ln>
+            <a:tailEnd type="triangle"/>
+          </a:ln>
+        </p:spPr>
+        <p:style>
+          <a:lnRef idx="1">
+            <a:schemeClr val="accent1"/>
+          </a:lnRef>
+          <a:fillRef idx="0">
+            <a:schemeClr val="accent1"/>
+          </a:fillRef>
+          <a:effectRef idx="0">
+            <a:schemeClr val="accent1"/>
+          </a:effectRef>
+          <a:fontRef idx="minor">
+            <a:schemeClr val="tx1"/>
+          </a:fontRef>
+        </p:style>
+      </p:cxnSp>
+      <p:cxnSp>
+        <p:nvCxnSpPr>
+          <p:cNvPr id="46" name="꺾인 연결선 45"/>
+          <p:cNvCxnSpPr>
+            <a:stCxn id="23" idx="2"/>
+            <a:endCxn id="22" idx="0"/>
+          </p:cNvCxnSpPr>
+          <p:nvPr/>
+        </p:nvCxnSpPr>
+        <p:spPr>
+          <a:xfrm rot="16200000" flipH="1">
+            <a:off x="3374376" y="499204"/>
+            <a:ext cx="1590932" cy="4986888"/>
+          </a:xfrm>
+          <a:prstGeom prst="bentConnector3">
+            <a:avLst/>
+          </a:prstGeom>
+          <a:ln>
+            <a:tailEnd type="triangle"/>
+          </a:ln>
+        </p:spPr>
+        <p:style>
+          <a:lnRef idx="1">
+            <a:schemeClr val="accent1"/>
+          </a:lnRef>
+          <a:fillRef idx="0">
+            <a:schemeClr val="accent1"/>
+          </a:fillRef>
+          <a:effectRef idx="0">
+            <a:schemeClr val="accent1"/>
+          </a:effectRef>
+          <a:fontRef idx="minor">
+            <a:schemeClr val="tx1"/>
+          </a:fontRef>
+        </p:style>
+      </p:cxnSp>
+      <p:cxnSp>
+        <p:nvCxnSpPr>
+          <p:cNvPr id="48" name="꺾인 연결선 47"/>
+          <p:cNvCxnSpPr>
+            <a:stCxn id="23" idx="2"/>
+            <a:endCxn id="27" idx="0"/>
+          </p:cNvCxnSpPr>
+          <p:nvPr/>
+        </p:nvCxnSpPr>
+        <p:spPr>
+          <a:xfrm rot="16200000" flipH="1">
+            <a:off x="4621099" y="-747519"/>
+            <a:ext cx="1590931" cy="7480332"/>
+          </a:xfrm>
+          <a:prstGeom prst="bentConnector3">
+            <a:avLst/>
+          </a:prstGeom>
+          <a:ln>
+            <a:tailEnd type="triangle"/>
+          </a:ln>
+        </p:spPr>
+        <p:style>
+          <a:lnRef idx="1">
+            <a:schemeClr val="accent1"/>
+          </a:lnRef>
+          <a:fillRef idx="0">
+            <a:schemeClr val="accent1"/>
+          </a:fillRef>
+          <a:effectRef idx="0">
+            <a:schemeClr val="accent1"/>
+          </a:effectRef>
+          <a:fontRef idx="minor">
+            <a:schemeClr val="tx1"/>
+          </a:fontRef>
+        </p:style>
+      </p:cxnSp>
+    </p:spTree>
+    <p:extLst>
+      <p:ext uri="{BB962C8B-B14F-4D97-AF65-F5344CB8AC3E}">
+        <p14:creationId xmlns:p14="http://schemas.microsoft.com/office/powerpoint/2010/main" val="3812277123"/>
+      </p:ext>
+    </p:extLst>
+  </p:cSld>
+  <p:clrMapOvr>
+    <a:masterClrMapping/>
+  </p:clrMapOvr>
+</p:sld>
+</file>
+
+<file path=ppt/slides/slide4.xml><?xml version="1.0" encoding="utf-8"?>
+<p:sld xmlns:a="http://schemas.openxmlformats.org/drawingml/2006/main" xmlns:r="http://schemas.openxmlformats.org/officeDocument/2006/relationships" xmlns:p="http://schemas.openxmlformats.org/presentationml/2006/main">
+  <p:cSld>
+    <p:bg>
+      <p:bgPr>
+        <a:blipFill dpi="0" rotWithShape="1">
+          <a:blip r:embed="rId2">
+            <a:alphaModFix amt="30000"/>
+            <a:lum/>
+          </a:blip>
+          <a:srcRect/>
+          <a:stretch>
+            <a:fillRect t="-7000" b="-7000"/>
+          </a:stretch>
+        </a:blipFill>
+        <a:effectLst/>
+      </p:bgPr>
+    </p:bg>
+    <p:spTree>
+      <p:nvGrpSpPr>
+        <p:cNvPr id="1" name=""/>
+        <p:cNvGrpSpPr/>
+        <p:nvPr/>
+      </p:nvGrpSpPr>
+      <p:grpSpPr>
+        <a:xfrm>
+          <a:off x="0" y="0"/>
+          <a:ext cx="0" cy="0"/>
+          <a:chOff x="0" y="0"/>
+          <a:chExt cx="0" cy="0"/>
+        </a:xfrm>
+      </p:grpSpPr>
+      <p:sp>
+        <p:nvSpPr>
+          <p:cNvPr id="4" name="직사각형 3"/>
+          <p:cNvSpPr/>
+          <p:nvPr/>
+        </p:nvSpPr>
+        <p:spPr>
+          <a:xfrm>
+            <a:off x="691978" y="1746422"/>
+            <a:ext cx="1968843" cy="733167"/>
+          </a:xfrm>
+          <a:prstGeom prst="rect">
+            <a:avLst/>
+          </a:prstGeom>
+          <a:solidFill>
+            <a:schemeClr val="accent6">
+              <a:lumMod val="60000"/>
+              <a:lumOff val="40000"/>
+            </a:schemeClr>
+          </a:solidFill>
+          <a:ln>
+            <a:solidFill>
+              <a:schemeClr val="accent6">
+                <a:lumMod val="50000"/>
+              </a:schemeClr>
+            </a:solidFill>
+          </a:ln>
+        </p:spPr>
+        <p:style>
+          <a:lnRef idx="2">
+            <a:schemeClr val="accent1">
+              <a:shade val="50000"/>
+            </a:schemeClr>
+          </a:lnRef>
+          <a:fillRef idx="1">
+            <a:schemeClr val="accent1"/>
+          </a:fillRef>
+          <a:effectRef idx="0">
+            <a:schemeClr val="accent1"/>
+          </a:effectRef>
+          <a:fontRef idx="minor">
+            <a:schemeClr val="lt1"/>
+          </a:fontRef>
+        </p:style>
+        <p:txBody>
+          <a:bodyPr rtlCol="0" anchor="ctr"/>
+          <a:lstStyle/>
+          <a:p>
+            <a:pPr algn="ctr"/>
+            <a:r>
+              <a:rPr lang="ko-KR" altLang="en-US" sz="2400" dirty="0" smtClean="0">
+                <a:latin typeface="1훈하얀고양이 R" panose="02020603020101020101" pitchFamily="18" charset="-127"/>
+                <a:ea typeface="1훈하얀고양이 R" panose="02020603020101020101" pitchFamily="18" charset="-127"/>
+              </a:rPr>
+              <a:t>농장 매니저</a:t>
+            </a:r>
+            <a:endParaRPr lang="ko-KR" altLang="en-US" sz="2400" dirty="0">
+              <a:latin typeface="1훈하얀고양이 R" panose="02020603020101020101" pitchFamily="18" charset="-127"/>
+              <a:ea typeface="1훈하얀고양이 R" panose="02020603020101020101" pitchFamily="18" charset="-127"/>
+            </a:endParaRPr>
+          </a:p>
+        </p:txBody>
+      </p:sp>
+      <p:sp>
+        <p:nvSpPr>
+          <p:cNvPr id="5" name="직사각형 4"/>
+          <p:cNvSpPr/>
+          <p:nvPr/>
+        </p:nvSpPr>
+        <p:spPr>
+          <a:xfrm>
+            <a:off x="691978" y="5964963"/>
+            <a:ext cx="1968843" cy="733167"/>
+          </a:xfrm>
+          <a:prstGeom prst="rect">
+            <a:avLst/>
+          </a:prstGeom>
+          <a:solidFill>
+            <a:schemeClr val="accent6">
+              <a:lumMod val="60000"/>
+              <a:lumOff val="40000"/>
+            </a:schemeClr>
+          </a:solidFill>
+          <a:ln>
+            <a:solidFill>
+              <a:schemeClr val="accent6">
+                <a:lumMod val="50000"/>
+              </a:schemeClr>
+            </a:solidFill>
+          </a:ln>
+        </p:spPr>
+        <p:style>
+          <a:lnRef idx="2">
+            <a:schemeClr val="accent1">
+              <a:shade val="50000"/>
+            </a:schemeClr>
+          </a:lnRef>
+          <a:fillRef idx="1">
+            <a:schemeClr val="accent1"/>
+          </a:fillRef>
+          <a:effectRef idx="0">
+            <a:schemeClr val="accent1"/>
+          </a:effectRef>
+          <a:fontRef idx="minor">
+            <a:schemeClr val="lt1"/>
+          </a:fontRef>
+        </p:style>
+        <p:txBody>
+          <a:bodyPr rtlCol="0" anchor="ctr"/>
+          <a:lstStyle/>
+          <a:p>
+            <a:pPr algn="ctr"/>
+            <a:r>
+              <a:rPr lang="ko-KR" altLang="en-US" sz="2400" dirty="0" smtClean="0">
+                <a:latin typeface="1훈하얀고양이 R" panose="02020603020101020101" pitchFamily="18" charset="-127"/>
+                <a:ea typeface="1훈하얀고양이 R" panose="02020603020101020101" pitchFamily="18" charset="-127"/>
+              </a:rPr>
+              <a:t>농장</a:t>
+            </a:r>
+            <a:r>
+              <a:rPr lang="en-US" altLang="ko-KR" sz="2400" dirty="0">
+                <a:latin typeface="1훈하얀고양이 R" panose="02020603020101020101" pitchFamily="18" charset="-127"/>
+                <a:ea typeface="1훈하얀고양이 R" panose="02020603020101020101" pitchFamily="18" charset="-127"/>
+              </a:rPr>
+              <a:t> </a:t>
+            </a:r>
+            <a:r>
+              <a:rPr lang="ko-KR" altLang="en-US" sz="2400" dirty="0" smtClean="0">
+                <a:latin typeface="1훈하얀고양이 R" panose="02020603020101020101" pitchFamily="18" charset="-127"/>
+                <a:ea typeface="1훈하얀고양이 R" panose="02020603020101020101" pitchFamily="18" charset="-127"/>
+              </a:rPr>
+              <a:t>필드</a:t>
+            </a:r>
+            <a:r>
+              <a:rPr lang="en-US" altLang="ko-KR" sz="2400" dirty="0" smtClean="0">
+                <a:latin typeface="1훈하얀고양이 R" panose="02020603020101020101" pitchFamily="18" charset="-127"/>
+                <a:ea typeface="1훈하얀고양이 R" panose="02020603020101020101" pitchFamily="18" charset="-127"/>
+              </a:rPr>
+              <a:t>1</a:t>
+            </a:r>
+            <a:endParaRPr lang="ko-KR" altLang="en-US" sz="2400" dirty="0">
+              <a:latin typeface="1훈하얀고양이 R" panose="02020603020101020101" pitchFamily="18" charset="-127"/>
+              <a:ea typeface="1훈하얀고양이 R" panose="02020603020101020101" pitchFamily="18" charset="-127"/>
+            </a:endParaRPr>
+          </a:p>
+        </p:txBody>
+      </p:sp>
+      <p:sp>
+        <p:nvSpPr>
+          <p:cNvPr id="6" name="직사각형 5"/>
+          <p:cNvSpPr/>
+          <p:nvPr/>
+        </p:nvSpPr>
+        <p:spPr>
+          <a:xfrm>
+            <a:off x="2864193" y="5964963"/>
+            <a:ext cx="1968843" cy="733167"/>
+          </a:xfrm>
+          <a:prstGeom prst="rect">
+            <a:avLst/>
+          </a:prstGeom>
+          <a:solidFill>
+            <a:schemeClr val="accent6">
+              <a:lumMod val="60000"/>
+              <a:lumOff val="40000"/>
+            </a:schemeClr>
+          </a:solidFill>
+          <a:ln>
+            <a:solidFill>
+              <a:schemeClr val="accent6">
+                <a:lumMod val="50000"/>
+              </a:schemeClr>
+            </a:solidFill>
+          </a:ln>
+        </p:spPr>
+        <p:style>
+          <a:lnRef idx="2">
+            <a:schemeClr val="accent1">
+              <a:shade val="50000"/>
+            </a:schemeClr>
+          </a:lnRef>
+          <a:fillRef idx="1">
+            <a:schemeClr val="accent1"/>
+          </a:fillRef>
+          <a:effectRef idx="0">
+            <a:schemeClr val="accent1"/>
+          </a:effectRef>
+          <a:fontRef idx="minor">
+            <a:schemeClr val="lt1"/>
+          </a:fontRef>
+        </p:style>
+        <p:txBody>
+          <a:bodyPr rtlCol="0" anchor="ctr"/>
+          <a:lstStyle/>
+          <a:p>
+            <a:pPr algn="ctr"/>
+            <a:r>
+              <a:rPr lang="ko-KR" altLang="en-US" sz="2400" dirty="0" smtClean="0">
+                <a:latin typeface="1훈하얀고양이 R" panose="02020603020101020101" pitchFamily="18" charset="-127"/>
+                <a:ea typeface="1훈하얀고양이 R" panose="02020603020101020101" pitchFamily="18" charset="-127"/>
+              </a:rPr>
+              <a:t>농장</a:t>
+            </a:r>
+            <a:r>
+              <a:rPr lang="en-US" altLang="ko-KR" sz="2400" dirty="0">
+                <a:latin typeface="1훈하얀고양이 R" panose="02020603020101020101" pitchFamily="18" charset="-127"/>
+                <a:ea typeface="1훈하얀고양이 R" panose="02020603020101020101" pitchFamily="18" charset="-127"/>
+              </a:rPr>
+              <a:t> </a:t>
+            </a:r>
+            <a:r>
+              <a:rPr lang="ko-KR" altLang="en-US" sz="2400" dirty="0" smtClean="0">
+                <a:latin typeface="1훈하얀고양이 R" panose="02020603020101020101" pitchFamily="18" charset="-127"/>
+                <a:ea typeface="1훈하얀고양이 R" panose="02020603020101020101" pitchFamily="18" charset="-127"/>
+              </a:rPr>
+              <a:t>필드</a:t>
+            </a:r>
+            <a:r>
+              <a:rPr lang="en-US" altLang="ko-KR" sz="2400" dirty="0" smtClean="0">
+                <a:latin typeface="1훈하얀고양이 R" panose="02020603020101020101" pitchFamily="18" charset="-127"/>
+                <a:ea typeface="1훈하얀고양이 R" panose="02020603020101020101" pitchFamily="18" charset="-127"/>
+              </a:rPr>
+              <a:t>2</a:t>
+            </a:r>
+            <a:endParaRPr lang="ko-KR" altLang="en-US" sz="2400" dirty="0">
+              <a:latin typeface="1훈하얀고양이 R" panose="02020603020101020101" pitchFamily="18" charset="-127"/>
+              <a:ea typeface="1훈하얀고양이 R" panose="02020603020101020101" pitchFamily="18" charset="-127"/>
+            </a:endParaRPr>
+          </a:p>
+        </p:txBody>
+      </p:sp>
+      <p:sp>
+        <p:nvSpPr>
+          <p:cNvPr id="7" name="직사각형 6"/>
+          <p:cNvSpPr/>
+          <p:nvPr/>
+        </p:nvSpPr>
+        <p:spPr>
+          <a:xfrm>
+            <a:off x="5036408" y="5964962"/>
+            <a:ext cx="1968843" cy="733167"/>
+          </a:xfrm>
+          <a:prstGeom prst="rect">
+            <a:avLst/>
+          </a:prstGeom>
+          <a:solidFill>
+            <a:schemeClr val="accent6">
+              <a:lumMod val="60000"/>
+              <a:lumOff val="40000"/>
+            </a:schemeClr>
+          </a:solidFill>
+          <a:ln>
+            <a:solidFill>
+              <a:schemeClr val="accent6">
+                <a:lumMod val="50000"/>
+              </a:schemeClr>
+            </a:solidFill>
+          </a:ln>
+        </p:spPr>
+        <p:style>
+          <a:lnRef idx="2">
+            <a:schemeClr val="accent1">
+              <a:shade val="50000"/>
+            </a:schemeClr>
+          </a:lnRef>
+          <a:fillRef idx="1">
+            <a:schemeClr val="accent1"/>
+          </a:fillRef>
+          <a:effectRef idx="0">
+            <a:schemeClr val="accent1"/>
+          </a:effectRef>
+          <a:fontRef idx="minor">
+            <a:schemeClr val="lt1"/>
+          </a:fontRef>
+        </p:style>
+        <p:txBody>
+          <a:bodyPr rtlCol="0" anchor="ctr"/>
+          <a:lstStyle/>
+          <a:p>
+            <a:pPr algn="ctr"/>
+            <a:r>
+              <a:rPr lang="ko-KR" altLang="en-US" sz="2400" dirty="0" smtClean="0">
+                <a:latin typeface="1훈하얀고양이 R" panose="02020603020101020101" pitchFamily="18" charset="-127"/>
+                <a:ea typeface="1훈하얀고양이 R" panose="02020603020101020101" pitchFamily="18" charset="-127"/>
+              </a:rPr>
+              <a:t>농장</a:t>
+            </a:r>
+            <a:r>
+              <a:rPr lang="en-US" altLang="ko-KR" sz="2400" dirty="0">
+                <a:latin typeface="1훈하얀고양이 R" panose="02020603020101020101" pitchFamily="18" charset="-127"/>
+                <a:ea typeface="1훈하얀고양이 R" panose="02020603020101020101" pitchFamily="18" charset="-127"/>
+              </a:rPr>
+              <a:t> </a:t>
+            </a:r>
+            <a:r>
+              <a:rPr lang="ko-KR" altLang="en-US" sz="2400" dirty="0" smtClean="0">
+                <a:latin typeface="1훈하얀고양이 R" panose="02020603020101020101" pitchFamily="18" charset="-127"/>
+                <a:ea typeface="1훈하얀고양이 R" panose="02020603020101020101" pitchFamily="18" charset="-127"/>
+              </a:rPr>
+              <a:t>필드</a:t>
+            </a:r>
+            <a:r>
+              <a:rPr lang="en-US" altLang="ko-KR" sz="2400" dirty="0" smtClean="0">
+                <a:latin typeface="1훈하얀고양이 R" panose="02020603020101020101" pitchFamily="18" charset="-127"/>
+                <a:ea typeface="1훈하얀고양이 R" panose="02020603020101020101" pitchFamily="18" charset="-127"/>
+              </a:rPr>
+              <a:t>3</a:t>
+            </a:r>
+            <a:endParaRPr lang="ko-KR" altLang="en-US" sz="2400" dirty="0">
+              <a:latin typeface="1훈하얀고양이 R" panose="02020603020101020101" pitchFamily="18" charset="-127"/>
+              <a:ea typeface="1훈하얀고양이 R" panose="02020603020101020101" pitchFamily="18" charset="-127"/>
+            </a:endParaRPr>
+          </a:p>
+        </p:txBody>
+      </p:sp>
+      <p:sp>
+        <p:nvSpPr>
+          <p:cNvPr id="8" name="직사각형 7"/>
+          <p:cNvSpPr/>
+          <p:nvPr/>
+        </p:nvSpPr>
+        <p:spPr>
+          <a:xfrm>
+            <a:off x="7208623" y="5964962"/>
+            <a:ext cx="1968843" cy="733167"/>
+          </a:xfrm>
+          <a:prstGeom prst="rect">
+            <a:avLst/>
+          </a:prstGeom>
+          <a:solidFill>
+            <a:schemeClr val="accent6">
+              <a:lumMod val="60000"/>
+              <a:lumOff val="40000"/>
+            </a:schemeClr>
+          </a:solidFill>
+          <a:ln>
+            <a:solidFill>
+              <a:schemeClr val="accent6">
+                <a:lumMod val="50000"/>
+              </a:schemeClr>
+            </a:solidFill>
+          </a:ln>
+        </p:spPr>
+        <p:style>
+          <a:lnRef idx="2">
+            <a:schemeClr val="accent1">
+              <a:shade val="50000"/>
+            </a:schemeClr>
+          </a:lnRef>
+          <a:fillRef idx="1">
+            <a:schemeClr val="accent1"/>
+          </a:fillRef>
+          <a:effectRef idx="0">
+            <a:schemeClr val="accent1"/>
+          </a:effectRef>
+          <a:fontRef idx="minor">
+            <a:schemeClr val="lt1"/>
+          </a:fontRef>
+        </p:style>
+        <p:txBody>
+          <a:bodyPr rtlCol="0" anchor="ctr"/>
+          <a:lstStyle/>
+          <a:p>
+            <a:pPr algn="ctr"/>
+            <a:r>
+              <a:rPr lang="ko-KR" altLang="en-US" sz="2400" dirty="0" smtClean="0">
+                <a:latin typeface="1훈하얀고양이 R" panose="02020603020101020101" pitchFamily="18" charset="-127"/>
+                <a:ea typeface="1훈하얀고양이 R" panose="02020603020101020101" pitchFamily="18" charset="-127"/>
+              </a:rPr>
+              <a:t>농장</a:t>
+            </a:r>
+            <a:r>
+              <a:rPr lang="en-US" altLang="ko-KR" sz="2400" dirty="0">
+                <a:latin typeface="1훈하얀고양이 R" panose="02020603020101020101" pitchFamily="18" charset="-127"/>
+                <a:ea typeface="1훈하얀고양이 R" panose="02020603020101020101" pitchFamily="18" charset="-127"/>
+              </a:rPr>
+              <a:t> </a:t>
+            </a:r>
+            <a:r>
+              <a:rPr lang="ko-KR" altLang="en-US" sz="2400" dirty="0" smtClean="0">
+                <a:latin typeface="1훈하얀고양이 R" panose="02020603020101020101" pitchFamily="18" charset="-127"/>
+                <a:ea typeface="1훈하얀고양이 R" panose="02020603020101020101" pitchFamily="18" charset="-127"/>
+              </a:rPr>
+              <a:t>필드</a:t>
+            </a:r>
+            <a:r>
+              <a:rPr lang="en-US" altLang="ko-KR" sz="2400" dirty="0" smtClean="0">
+                <a:latin typeface="1훈하얀고양이 R" panose="02020603020101020101" pitchFamily="18" charset="-127"/>
+                <a:ea typeface="1훈하얀고양이 R" panose="02020603020101020101" pitchFamily="18" charset="-127"/>
+              </a:rPr>
+              <a:t>4</a:t>
+            </a:r>
+            <a:endParaRPr lang="ko-KR" altLang="en-US" sz="2400" dirty="0">
+              <a:latin typeface="1훈하얀고양이 R" panose="02020603020101020101" pitchFamily="18" charset="-127"/>
+              <a:ea typeface="1훈하얀고양이 R" panose="02020603020101020101" pitchFamily="18" charset="-127"/>
+            </a:endParaRPr>
+          </a:p>
+        </p:txBody>
+      </p:sp>
+      <p:cxnSp>
+        <p:nvCxnSpPr>
+          <p:cNvPr id="10" name="직선 화살표 연결선 9"/>
+          <p:cNvCxnSpPr>
+            <a:stCxn id="4" idx="2"/>
+            <a:endCxn id="5" idx="0"/>
+          </p:cNvCxnSpPr>
+          <p:nvPr/>
+        </p:nvCxnSpPr>
+        <p:spPr>
+          <a:xfrm>
+            <a:off x="1676400" y="2479589"/>
+            <a:ext cx="0" cy="3485374"/>
+          </a:xfrm>
+          <a:prstGeom prst="straightConnector1">
+            <a:avLst/>
+          </a:prstGeom>
+          <a:ln>
+            <a:tailEnd type="triangle"/>
+          </a:ln>
+        </p:spPr>
+        <p:style>
+          <a:lnRef idx="1">
+            <a:schemeClr val="accent1"/>
+          </a:lnRef>
+          <a:fillRef idx="0">
+            <a:schemeClr val="accent1"/>
+          </a:fillRef>
+          <a:effectRef idx="0">
+            <a:schemeClr val="accent1"/>
+          </a:effectRef>
+          <a:fontRef idx="minor">
+            <a:schemeClr val="tx1"/>
+          </a:fontRef>
+        </p:style>
+      </p:cxnSp>
+      <p:cxnSp>
+        <p:nvCxnSpPr>
+          <p:cNvPr id="15" name="꺾인 연결선 14"/>
+          <p:cNvCxnSpPr>
+            <a:endCxn id="6" idx="0"/>
+          </p:cNvCxnSpPr>
+          <p:nvPr/>
+        </p:nvCxnSpPr>
+        <p:spPr>
+          <a:xfrm rot="16200000" flipH="1">
+            <a:off x="1023939" y="3140286"/>
+            <a:ext cx="3477137" cy="2172216"/>
+          </a:xfrm>
+          <a:prstGeom prst="bentConnector3">
+            <a:avLst>
+              <a:gd name="adj1" fmla="val 50000"/>
+            </a:avLst>
+          </a:prstGeom>
+          <a:ln>
+            <a:tailEnd type="triangle"/>
+          </a:ln>
+        </p:spPr>
+        <p:style>
+          <a:lnRef idx="1">
+            <a:schemeClr val="accent1"/>
+          </a:lnRef>
+          <a:fillRef idx="0">
+            <a:schemeClr val="accent1"/>
+          </a:fillRef>
+          <a:effectRef idx="0">
+            <a:schemeClr val="accent1"/>
+          </a:effectRef>
+          <a:fontRef idx="minor">
+            <a:schemeClr val="tx1"/>
+          </a:fontRef>
+        </p:style>
+      </p:cxnSp>
+      <p:cxnSp>
+        <p:nvCxnSpPr>
+          <p:cNvPr id="20" name="꺾인 연결선 19"/>
+          <p:cNvCxnSpPr>
+            <a:stCxn id="4" idx="2"/>
+            <a:endCxn id="7" idx="0"/>
+          </p:cNvCxnSpPr>
+          <p:nvPr/>
+        </p:nvCxnSpPr>
+        <p:spPr>
+          <a:xfrm rot="16200000" flipH="1">
+            <a:off x="2105929" y="2050060"/>
+            <a:ext cx="3485373" cy="4344430"/>
+          </a:xfrm>
+          <a:prstGeom prst="bentConnector3">
+            <a:avLst>
+              <a:gd name="adj1" fmla="val 50000"/>
+            </a:avLst>
+          </a:prstGeom>
+          <a:ln>
+            <a:tailEnd type="triangle"/>
+          </a:ln>
+        </p:spPr>
+        <p:style>
+          <a:lnRef idx="1">
+            <a:schemeClr val="accent1"/>
+          </a:lnRef>
+          <a:fillRef idx="0">
+            <a:schemeClr val="accent1"/>
+          </a:fillRef>
+          <a:effectRef idx="0">
+            <a:schemeClr val="accent1"/>
+          </a:effectRef>
+          <a:fontRef idx="minor">
+            <a:schemeClr val="tx1"/>
+          </a:fontRef>
+        </p:style>
+      </p:cxnSp>
+      <p:cxnSp>
+        <p:nvCxnSpPr>
+          <p:cNvPr id="24" name="꺾인 연결선 23"/>
+          <p:cNvCxnSpPr>
+            <a:stCxn id="4" idx="2"/>
+            <a:endCxn id="8" idx="0"/>
+          </p:cNvCxnSpPr>
+          <p:nvPr/>
+        </p:nvCxnSpPr>
+        <p:spPr>
+          <a:xfrm rot="16200000" flipH="1">
+            <a:off x="3192036" y="963952"/>
+            <a:ext cx="3485373" cy="6516645"/>
+          </a:xfrm>
+          <a:prstGeom prst="bentConnector3">
+            <a:avLst>
+              <a:gd name="adj1" fmla="val 50000"/>
+            </a:avLst>
+          </a:prstGeom>
+          <a:ln>
+            <a:tailEnd type="triangle"/>
+          </a:ln>
+        </p:spPr>
+        <p:style>
+          <a:lnRef idx="1">
+            <a:schemeClr val="accent1"/>
+          </a:lnRef>
+          <a:fillRef idx="0">
+            <a:schemeClr val="accent1"/>
+          </a:fillRef>
+          <a:effectRef idx="0">
+            <a:schemeClr val="accent1"/>
+          </a:effectRef>
+          <a:fontRef idx="minor">
+            <a:schemeClr val="tx1"/>
+          </a:fontRef>
+        </p:style>
+      </p:cxnSp>
+      <p:sp>
+        <p:nvSpPr>
+          <p:cNvPr id="21" name="제목 1"/>
+          <p:cNvSpPr txBox="1">
+            <a:spLocks/>
+          </p:cNvSpPr>
+          <p:nvPr/>
+        </p:nvSpPr>
+        <p:spPr>
+          <a:xfrm>
+            <a:off x="339436" y="-29803"/>
+            <a:ext cx="10515600" cy="1325563"/>
+          </a:xfrm>
+          <a:prstGeom prst="rect">
+            <a:avLst/>
+          </a:prstGeom>
+        </p:spPr>
+        <p:txBody>
+          <a:bodyPr vert="horz" lIns="91440" tIns="45720" rIns="91440" bIns="45720" rtlCol="0" anchor="b">
+            <a:noAutofit/>
+          </a:bodyPr>
+          <a:lstStyle>
+            <a:lvl1pPr algn="ctr" defTabSz="914400" rtl="0" eaLnBrk="1" latinLnBrk="1" hangingPunct="1">
+              <a:lnSpc>
+                <a:spcPct val="90000"/>
+              </a:lnSpc>
+              <a:spcBef>
+                <a:spcPct val="0"/>
+              </a:spcBef>
+              <a:buNone/>
+              <a:defRPr sz="6000" kern="1200">
+                <a:solidFill>
+                  <a:schemeClr val="tx1"/>
+                </a:solidFill>
+                <a:latin typeface="+mj-lt"/>
+                <a:ea typeface="+mj-ea"/>
+                <a:cs typeface="+mj-cs"/>
+              </a:defRPr>
+            </a:lvl1pPr>
+          </a:lstStyle>
+          <a:p>
+            <a:pPr algn="l"/>
+            <a:r>
+              <a:rPr lang="ko-KR" altLang="en-US" dirty="0" smtClean="0">
+                <a:solidFill>
+                  <a:srgbClr val="006A0E"/>
+                </a:solidFill>
+                <a:latin typeface="1훈하얀고양이 R" panose="02020603020101020101" pitchFamily="18" charset="-127"/>
+                <a:ea typeface="1훈하얀고양이 R" panose="02020603020101020101" pitchFamily="18" charset="-127"/>
+              </a:rPr>
+              <a:t>농장 스테이지 구성</a:t>
+            </a:r>
+            <a:endParaRPr lang="ko-KR" altLang="en-US" dirty="0">
+              <a:solidFill>
+                <a:srgbClr val="006A0E"/>
+              </a:solidFill>
+              <a:latin typeface="1훈하얀고양이 R" panose="02020603020101020101" pitchFamily="18" charset="-127"/>
+              <a:ea typeface="1훈하얀고양이 R" panose="02020603020101020101" pitchFamily="18" charset="-127"/>
+            </a:endParaRPr>
+          </a:p>
+        </p:txBody>
+      </p:sp>
+      <p:sp>
+        <p:nvSpPr>
+          <p:cNvPr id="22" name="직사각형 21"/>
+          <p:cNvSpPr/>
+          <p:nvPr/>
+        </p:nvSpPr>
+        <p:spPr>
+          <a:xfrm>
+            <a:off x="3458089" y="1754658"/>
+            <a:ext cx="1968843" cy="733167"/>
+          </a:xfrm>
+          <a:prstGeom prst="rect">
+            <a:avLst/>
+          </a:prstGeom>
+          <a:solidFill>
+            <a:schemeClr val="accent6">
+              <a:lumMod val="60000"/>
+              <a:lumOff val="40000"/>
+            </a:schemeClr>
+          </a:solidFill>
+          <a:ln>
+            <a:solidFill>
+              <a:schemeClr val="accent6">
+                <a:lumMod val="50000"/>
+              </a:schemeClr>
+            </a:solidFill>
+          </a:ln>
+        </p:spPr>
+        <p:style>
+          <a:lnRef idx="2">
+            <a:schemeClr val="accent1">
+              <a:shade val="50000"/>
+            </a:schemeClr>
+          </a:lnRef>
+          <a:fillRef idx="1">
+            <a:schemeClr val="accent1"/>
+          </a:fillRef>
+          <a:effectRef idx="0">
+            <a:schemeClr val="accent1"/>
+          </a:effectRef>
+          <a:fontRef idx="minor">
+            <a:schemeClr val="lt1"/>
+          </a:fontRef>
+        </p:style>
+        <p:txBody>
+          <a:bodyPr rtlCol="0" anchor="ctr"/>
+          <a:lstStyle/>
+          <a:p>
+            <a:pPr algn="ctr"/>
+            <a:r>
+              <a:rPr lang="ko-KR" altLang="en-US" sz="2400" dirty="0" smtClean="0">
+                <a:latin typeface="1훈하얀고양이 R" panose="02020603020101020101" pitchFamily="18" charset="-127"/>
+                <a:ea typeface="1훈하얀고양이 R" panose="02020603020101020101" pitchFamily="18" charset="-127"/>
+              </a:rPr>
+              <a:t>농장 </a:t>
+            </a:r>
+            <a:r>
+              <a:rPr lang="en-US" altLang="ko-KR" sz="2400" dirty="0" smtClean="0">
+                <a:latin typeface="1훈하얀고양이 R" panose="02020603020101020101" pitchFamily="18" charset="-127"/>
+                <a:ea typeface="1훈하얀고양이 R" panose="02020603020101020101" pitchFamily="18" charset="-127"/>
+              </a:rPr>
+              <a:t>UI</a:t>
+            </a:r>
+            <a:endParaRPr lang="ko-KR" altLang="en-US" sz="2400" dirty="0">
+              <a:latin typeface="1훈하얀고양이 R" panose="02020603020101020101" pitchFamily="18" charset="-127"/>
+              <a:ea typeface="1훈하얀고양이 R" panose="02020603020101020101" pitchFamily="18" charset="-127"/>
+            </a:endParaRPr>
+          </a:p>
+        </p:txBody>
+      </p:sp>
+      <p:cxnSp>
+        <p:nvCxnSpPr>
+          <p:cNvPr id="16" name="직선 화살표 연결선 15"/>
+          <p:cNvCxnSpPr>
+            <a:stCxn id="4" idx="3"/>
+            <a:endCxn id="22" idx="1"/>
+          </p:cNvCxnSpPr>
+          <p:nvPr/>
+        </p:nvCxnSpPr>
+        <p:spPr>
+          <a:xfrm>
+            <a:off x="2660821" y="2113006"/>
+            <a:ext cx="797268" cy="8236"/>
+          </a:xfrm>
+          <a:prstGeom prst="straightConnector1">
+            <a:avLst/>
+          </a:prstGeom>
+          <a:ln>
+            <a:tailEnd type="triangle"/>
+          </a:ln>
+        </p:spPr>
+        <p:style>
+          <a:lnRef idx="1">
+            <a:schemeClr val="accent1"/>
+          </a:lnRef>
+          <a:fillRef idx="0">
+            <a:schemeClr val="accent1"/>
+          </a:fillRef>
+          <a:effectRef idx="0">
+            <a:schemeClr val="accent1"/>
+          </a:effectRef>
+          <a:fontRef idx="minor">
+            <a:schemeClr val="tx1"/>
+          </a:fontRef>
+        </p:style>
+      </p:cxnSp>
+      <p:sp>
+        <p:nvSpPr>
+          <p:cNvPr id="38" name="직사각형 37"/>
+          <p:cNvSpPr/>
+          <p:nvPr/>
+        </p:nvSpPr>
+        <p:spPr>
+          <a:xfrm>
+            <a:off x="6130625" y="1746418"/>
+            <a:ext cx="1968843" cy="733167"/>
+          </a:xfrm>
+          <a:prstGeom prst="rect">
+            <a:avLst/>
+          </a:prstGeom>
+          <a:solidFill>
+            <a:schemeClr val="accent6">
+              <a:lumMod val="60000"/>
+              <a:lumOff val="40000"/>
+            </a:schemeClr>
+          </a:solidFill>
+          <a:ln>
+            <a:solidFill>
+              <a:schemeClr val="accent6">
+                <a:lumMod val="50000"/>
+              </a:schemeClr>
+            </a:solidFill>
+          </a:ln>
+        </p:spPr>
+        <p:style>
+          <a:lnRef idx="2">
+            <a:schemeClr val="accent1">
+              <a:shade val="50000"/>
+            </a:schemeClr>
+          </a:lnRef>
+          <a:fillRef idx="1">
+            <a:schemeClr val="accent1"/>
+          </a:fillRef>
+          <a:effectRef idx="0">
+            <a:schemeClr val="accent1"/>
+          </a:effectRef>
+          <a:fontRef idx="minor">
+            <a:schemeClr val="lt1"/>
+          </a:fontRef>
+        </p:style>
+        <p:txBody>
+          <a:bodyPr rtlCol="0" anchor="ctr"/>
+          <a:lstStyle/>
+          <a:p>
+            <a:pPr algn="ctr"/>
+            <a:r>
+              <a:rPr lang="ko-KR" altLang="en-US" sz="2400" smtClean="0">
+                <a:latin typeface="1훈하얀고양이 R" panose="02020603020101020101" pitchFamily="18" charset="-127"/>
+                <a:ea typeface="1훈하얀고양이 R" panose="02020603020101020101" pitchFamily="18" charset="-127"/>
+              </a:rPr>
+              <a:t>작물 정보</a:t>
+            </a:r>
+            <a:endParaRPr lang="ko-KR" altLang="en-US" sz="2400" dirty="0">
+              <a:latin typeface="1훈하얀고양이 R" panose="02020603020101020101" pitchFamily="18" charset="-127"/>
+              <a:ea typeface="1훈하얀고양이 R" panose="02020603020101020101" pitchFamily="18" charset="-127"/>
+            </a:endParaRPr>
+          </a:p>
+        </p:txBody>
+      </p:sp>
+      <p:sp>
+        <p:nvSpPr>
+          <p:cNvPr id="39" name="직사각형 38"/>
+          <p:cNvSpPr/>
+          <p:nvPr/>
+        </p:nvSpPr>
+        <p:spPr>
+          <a:xfrm>
+            <a:off x="4612814" y="2897193"/>
+            <a:ext cx="1968843" cy="733167"/>
+          </a:xfrm>
+          <a:prstGeom prst="rect">
+            <a:avLst/>
+          </a:prstGeom>
+          <a:solidFill>
+            <a:schemeClr val="accent6">
+              <a:lumMod val="60000"/>
+              <a:lumOff val="40000"/>
+            </a:schemeClr>
+          </a:solidFill>
+          <a:ln>
+            <a:solidFill>
+              <a:schemeClr val="accent6">
+                <a:lumMod val="50000"/>
+              </a:schemeClr>
+            </a:solidFill>
+          </a:ln>
+        </p:spPr>
+        <p:style>
+          <a:lnRef idx="2">
+            <a:schemeClr val="accent1">
+              <a:shade val="50000"/>
+            </a:schemeClr>
+          </a:lnRef>
+          <a:fillRef idx="1">
+            <a:schemeClr val="accent1"/>
+          </a:fillRef>
+          <a:effectRef idx="0">
+            <a:schemeClr val="accent1"/>
+          </a:effectRef>
+          <a:fontRef idx="minor">
+            <a:schemeClr val="lt1"/>
+          </a:fontRef>
+        </p:style>
+        <p:txBody>
+          <a:bodyPr rtlCol="0" anchor="ctr"/>
+          <a:lstStyle/>
+          <a:p>
+            <a:pPr algn="ctr"/>
+            <a:r>
+              <a:rPr lang="ko-KR" altLang="en-US" sz="2400" dirty="0" smtClean="0">
+                <a:latin typeface="1훈하얀고양이 R" panose="02020603020101020101" pitchFamily="18" charset="-127"/>
+                <a:ea typeface="1훈하얀고양이 R" panose="02020603020101020101" pitchFamily="18" charset="-127"/>
+              </a:rPr>
+              <a:t>작물 가공 정보</a:t>
+            </a:r>
+            <a:endParaRPr lang="ko-KR" altLang="en-US" sz="2400" dirty="0">
+              <a:latin typeface="1훈하얀고양이 R" panose="02020603020101020101" pitchFamily="18" charset="-127"/>
+              <a:ea typeface="1훈하얀고양이 R" panose="02020603020101020101" pitchFamily="18" charset="-127"/>
+            </a:endParaRPr>
+          </a:p>
+        </p:txBody>
+      </p:sp>
+      <p:cxnSp>
+        <p:nvCxnSpPr>
+          <p:cNvPr id="37" name="꺾인 연결선 36"/>
+          <p:cNvCxnSpPr>
+            <a:stCxn id="38" idx="0"/>
+            <a:endCxn id="4" idx="0"/>
+          </p:cNvCxnSpPr>
+          <p:nvPr/>
+        </p:nvCxnSpPr>
+        <p:spPr>
+          <a:xfrm rot="16200000" flipH="1" flipV="1">
+            <a:off x="4395722" y="-972904"/>
+            <a:ext cx="4" cy="5438647"/>
+          </a:xfrm>
+          <a:prstGeom prst="bentConnector3">
+            <a:avLst>
+              <a:gd name="adj1" fmla="val -5715000000"/>
+            </a:avLst>
+          </a:prstGeom>
+          <a:ln>
+            <a:tailEnd type="triangle"/>
+          </a:ln>
+        </p:spPr>
+        <p:style>
+          <a:lnRef idx="1">
+            <a:schemeClr val="accent1"/>
+          </a:lnRef>
+          <a:fillRef idx="0">
+            <a:schemeClr val="accent1"/>
+          </a:fillRef>
+          <a:effectRef idx="0">
+            <a:schemeClr val="accent1"/>
+          </a:effectRef>
+          <a:fontRef idx="minor">
+            <a:schemeClr val="tx1"/>
+          </a:fontRef>
+        </p:style>
+      </p:cxnSp>
+      <p:cxnSp>
+        <p:nvCxnSpPr>
+          <p:cNvPr id="43" name="꺾인 연결선 42"/>
+          <p:cNvCxnSpPr>
+            <a:stCxn id="4" idx="2"/>
+            <a:endCxn id="39" idx="1"/>
+          </p:cNvCxnSpPr>
+          <p:nvPr/>
+        </p:nvCxnSpPr>
+        <p:spPr>
+          <a:xfrm rot="16200000" flipH="1">
+            <a:off x="2752513" y="1403476"/>
+            <a:ext cx="784188" cy="2936414"/>
+          </a:xfrm>
+          <a:prstGeom prst="bentConnector2">
+            <a:avLst/>
+          </a:prstGeom>
+          <a:ln>
+            <a:tailEnd type="triangle"/>
+          </a:ln>
+        </p:spPr>
+        <p:style>
+          <a:lnRef idx="1">
+            <a:schemeClr val="accent1"/>
+          </a:lnRef>
+          <a:fillRef idx="0">
+            <a:schemeClr val="accent1"/>
+          </a:fillRef>
+          <a:effectRef idx="0">
+            <a:schemeClr val="accent1"/>
+          </a:effectRef>
+          <a:fontRef idx="minor">
+            <a:schemeClr val="tx1"/>
+          </a:fontRef>
+        </p:style>
+      </p:cxnSp>
+      <p:sp>
+        <p:nvSpPr>
+          <p:cNvPr id="47" name="직사각형 46"/>
+          <p:cNvSpPr/>
+          <p:nvPr/>
+        </p:nvSpPr>
+        <p:spPr>
+          <a:xfrm>
+            <a:off x="8660189" y="2897193"/>
+            <a:ext cx="1968843" cy="733167"/>
+          </a:xfrm>
+          <a:prstGeom prst="rect">
+            <a:avLst/>
+          </a:prstGeom>
+          <a:solidFill>
+            <a:schemeClr val="accent6">
+              <a:lumMod val="60000"/>
+              <a:lumOff val="40000"/>
+            </a:schemeClr>
+          </a:solidFill>
+          <a:ln>
+            <a:solidFill>
+              <a:schemeClr val="accent6">
+                <a:lumMod val="50000"/>
+              </a:schemeClr>
+            </a:solidFill>
+          </a:ln>
+        </p:spPr>
+        <p:style>
+          <a:lnRef idx="2">
+            <a:schemeClr val="accent1">
+              <a:shade val="50000"/>
+            </a:schemeClr>
+          </a:lnRef>
+          <a:fillRef idx="1">
+            <a:schemeClr val="accent1"/>
+          </a:fillRef>
+          <a:effectRef idx="0">
+            <a:schemeClr val="accent1"/>
+          </a:effectRef>
+          <a:fontRef idx="minor">
+            <a:schemeClr val="lt1"/>
+          </a:fontRef>
+        </p:style>
+        <p:txBody>
+          <a:bodyPr rtlCol="0" anchor="ctr"/>
+          <a:lstStyle/>
+          <a:p>
+            <a:pPr algn="ctr"/>
+            <a:r>
+              <a:rPr lang="ko-KR" altLang="en-US" sz="2400" dirty="0" smtClean="0">
+                <a:latin typeface="1훈하얀고양이 R" panose="02020603020101020101" pitchFamily="18" charset="-127"/>
+                <a:ea typeface="1훈하얀고양이 R" panose="02020603020101020101" pitchFamily="18" charset="-127"/>
+              </a:rPr>
+              <a:t>상점 </a:t>
+            </a:r>
+            <a:r>
+              <a:rPr lang="ko-KR" altLang="en-US" sz="2400" dirty="0" smtClean="0">
+                <a:latin typeface="1훈하얀고양이 R" panose="02020603020101020101" pitchFamily="18" charset="-127"/>
+                <a:ea typeface="1훈하얀고양이 R" panose="02020603020101020101" pitchFamily="18" charset="-127"/>
+              </a:rPr>
+              <a:t>매니저</a:t>
+            </a:r>
+            <a:endParaRPr lang="ko-KR" altLang="en-US" sz="2400" dirty="0">
+              <a:latin typeface="1훈하얀고양이 R" panose="02020603020101020101" pitchFamily="18" charset="-127"/>
+              <a:ea typeface="1훈하얀고양이 R" panose="02020603020101020101" pitchFamily="18" charset="-127"/>
+            </a:endParaRPr>
+          </a:p>
+        </p:txBody>
+      </p:sp>
+      <p:cxnSp>
+        <p:nvCxnSpPr>
+          <p:cNvPr id="49" name="직선 화살표 연결선 48"/>
+          <p:cNvCxnSpPr>
+            <a:stCxn id="39" idx="3"/>
+            <a:endCxn id="47" idx="1"/>
+          </p:cNvCxnSpPr>
+          <p:nvPr/>
+        </p:nvCxnSpPr>
+        <p:spPr>
+          <a:xfrm>
+            <a:off x="6581657" y="3263777"/>
+            <a:ext cx="2078532" cy="0"/>
+          </a:xfrm>
+          <a:prstGeom prst="straightConnector1">
+            <a:avLst/>
+          </a:prstGeom>
+          <a:ln>
+            <a:tailEnd type="triangle"/>
+          </a:ln>
+        </p:spPr>
+        <p:style>
+          <a:lnRef idx="1">
+            <a:schemeClr val="accent1"/>
+          </a:lnRef>
+          <a:fillRef idx="0">
+            <a:schemeClr val="accent1"/>
+          </a:fillRef>
+          <a:effectRef idx="0">
+            <a:schemeClr val="accent1"/>
+          </a:effectRef>
+          <a:fontRef idx="minor">
+            <a:schemeClr val="tx1"/>
+          </a:fontRef>
+        </p:style>
+      </p:cxnSp>
+    </p:spTree>
+    <p:extLst>
+      <p:ext uri="{BB962C8B-B14F-4D97-AF65-F5344CB8AC3E}">
+        <p14:creationId xmlns:p14="http://schemas.microsoft.com/office/powerpoint/2010/main" val="2779718557"/>
+      </p:ext>
+    </p:extLst>
+  </p:cSld>
+  <p:clrMapOvr>
+    <a:masterClrMapping/>
+  </p:clrMapOvr>
+</p:sld>
+</file>
+
+<file path=ppt/slides/slide5.xml><?xml version="1.0" encoding="utf-8"?>
+<p:sld xmlns:a="http://schemas.openxmlformats.org/drawingml/2006/main" xmlns:r="http://schemas.openxmlformats.org/officeDocument/2006/relationships" xmlns:p="http://schemas.openxmlformats.org/presentationml/2006/main">
+  <p:cSld>
+    <p:spTree>
+      <p:nvGrpSpPr>
+        <p:cNvPr id="1" name=""/>
+        <p:cNvGrpSpPr/>
+        <p:nvPr/>
+      </p:nvGrpSpPr>
+      <p:grpSpPr>
+        <a:xfrm>
+          <a:off x="0" y="0"/>
+          <a:ext cx="0" cy="0"/>
+          <a:chOff x="0" y="0"/>
+          <a:chExt cx="0" cy="0"/>
+        </a:xfrm>
+      </p:grpSpPr>
+      <p:sp>
+        <p:nvSpPr>
+          <p:cNvPr id="4" name="직사각형 3"/>
+          <p:cNvSpPr/>
+          <p:nvPr/>
+        </p:nvSpPr>
+        <p:spPr>
+          <a:xfrm>
+            <a:off x="691978" y="2464036"/>
+            <a:ext cx="1968843" cy="733167"/>
+          </a:xfrm>
+          <a:prstGeom prst="rect">
+            <a:avLst/>
+          </a:prstGeom>
+          <a:solidFill>
+            <a:schemeClr val="accent6">
+              <a:lumMod val="60000"/>
+              <a:lumOff val="40000"/>
+            </a:schemeClr>
+          </a:solidFill>
+          <a:ln>
+            <a:solidFill>
+              <a:schemeClr val="accent6">
+                <a:lumMod val="50000"/>
+              </a:schemeClr>
+            </a:solidFill>
+          </a:ln>
+        </p:spPr>
+        <p:style>
+          <a:lnRef idx="2">
+            <a:schemeClr val="accent1">
+              <a:shade val="50000"/>
+            </a:schemeClr>
+          </a:lnRef>
+          <a:fillRef idx="1">
+            <a:schemeClr val="accent1"/>
+          </a:fillRef>
+          <a:effectRef idx="0">
+            <a:schemeClr val="accent1"/>
+          </a:effectRef>
+          <a:fontRef idx="minor">
+            <a:schemeClr val="lt1"/>
+          </a:fontRef>
+        </p:style>
+        <p:txBody>
+          <a:bodyPr rtlCol="0" anchor="ctr"/>
+          <a:lstStyle/>
+          <a:p>
+            <a:pPr algn="ctr"/>
+            <a:r>
+              <a:rPr lang="ko-KR" altLang="en-US" sz="2400" dirty="0" smtClean="0">
+                <a:latin typeface="1훈하얀고양이 R" panose="02020603020101020101" pitchFamily="18" charset="-127"/>
+                <a:ea typeface="1훈하얀고양이 R" panose="02020603020101020101" pitchFamily="18" charset="-127"/>
+              </a:rPr>
+              <a:t>상점 </a:t>
+            </a:r>
+            <a:r>
+              <a:rPr lang="ko-KR" altLang="en-US" sz="2400" dirty="0" smtClean="0">
+                <a:latin typeface="1훈하얀고양이 R" panose="02020603020101020101" pitchFamily="18" charset="-127"/>
+                <a:ea typeface="1훈하얀고양이 R" panose="02020603020101020101" pitchFamily="18" charset="-127"/>
+              </a:rPr>
+              <a:t>매니저</a:t>
+            </a:r>
+            <a:endParaRPr lang="ko-KR" altLang="en-US" sz="2400" dirty="0">
+              <a:latin typeface="1훈하얀고양이 R" panose="02020603020101020101" pitchFamily="18" charset="-127"/>
+              <a:ea typeface="1훈하얀고양이 R" panose="02020603020101020101" pitchFamily="18" charset="-127"/>
+            </a:endParaRPr>
+          </a:p>
+        </p:txBody>
+      </p:sp>
+      <p:sp>
+        <p:nvSpPr>
+          <p:cNvPr id="5" name="직사각형 4"/>
+          <p:cNvSpPr/>
+          <p:nvPr/>
+        </p:nvSpPr>
+        <p:spPr>
+          <a:xfrm>
+            <a:off x="691978" y="5964963"/>
+            <a:ext cx="1968843" cy="733167"/>
+          </a:xfrm>
+          <a:prstGeom prst="rect">
+            <a:avLst/>
+          </a:prstGeom>
+          <a:solidFill>
+            <a:schemeClr val="accent6">
+              <a:lumMod val="60000"/>
+              <a:lumOff val="40000"/>
+            </a:schemeClr>
+          </a:solidFill>
+          <a:ln>
+            <a:solidFill>
+              <a:schemeClr val="accent6">
+                <a:lumMod val="50000"/>
+              </a:schemeClr>
+            </a:solidFill>
+          </a:ln>
+        </p:spPr>
+        <p:style>
+          <a:lnRef idx="2">
+            <a:schemeClr val="accent1">
+              <a:shade val="50000"/>
+            </a:schemeClr>
+          </a:lnRef>
+          <a:fillRef idx="1">
+            <a:schemeClr val="accent1"/>
+          </a:fillRef>
+          <a:effectRef idx="0">
+            <a:schemeClr val="accent1"/>
+          </a:effectRef>
+          <a:fontRef idx="minor">
+            <a:schemeClr val="lt1"/>
+          </a:fontRef>
+        </p:style>
+        <p:txBody>
+          <a:bodyPr rtlCol="0" anchor="ctr"/>
+          <a:lstStyle/>
+          <a:p>
+            <a:pPr algn="ctr"/>
+            <a:r>
+              <a:rPr lang="ko-KR" altLang="en-US" sz="2400" dirty="0" smtClean="0">
+                <a:latin typeface="1훈하얀고양이 R" panose="02020603020101020101" pitchFamily="18" charset="-127"/>
+                <a:ea typeface="1훈하얀고양이 R" panose="02020603020101020101" pitchFamily="18" charset="-127"/>
+              </a:rPr>
+              <a:t>상점</a:t>
+            </a:r>
+            <a:r>
+              <a:rPr lang="en-US" altLang="ko-KR" sz="2400" dirty="0" smtClean="0">
+                <a:latin typeface="1훈하얀고양이 R" panose="02020603020101020101" pitchFamily="18" charset="-127"/>
+                <a:ea typeface="1훈하얀고양이 R" panose="02020603020101020101" pitchFamily="18" charset="-127"/>
+              </a:rPr>
+              <a:t> </a:t>
+            </a:r>
+            <a:r>
+              <a:rPr lang="ko-KR" altLang="en-US" sz="2400" dirty="0" smtClean="0">
+                <a:latin typeface="1훈하얀고양이 R" panose="02020603020101020101" pitchFamily="18" charset="-127"/>
+                <a:ea typeface="1훈하얀고양이 R" panose="02020603020101020101" pitchFamily="18" charset="-127"/>
+              </a:rPr>
+              <a:t>필드</a:t>
+            </a:r>
+            <a:r>
+              <a:rPr lang="en-US" altLang="ko-KR" sz="2400" dirty="0" smtClean="0">
+                <a:latin typeface="1훈하얀고양이 R" panose="02020603020101020101" pitchFamily="18" charset="-127"/>
+                <a:ea typeface="1훈하얀고양이 R" panose="02020603020101020101" pitchFamily="18" charset="-127"/>
+              </a:rPr>
+              <a:t>1</a:t>
+            </a:r>
+            <a:endParaRPr lang="ko-KR" altLang="en-US" sz="2400" dirty="0">
+              <a:latin typeface="1훈하얀고양이 R" panose="02020603020101020101" pitchFamily="18" charset="-127"/>
+              <a:ea typeface="1훈하얀고양이 R" panose="02020603020101020101" pitchFamily="18" charset="-127"/>
+            </a:endParaRPr>
+          </a:p>
+        </p:txBody>
+      </p:sp>
+      <p:sp>
+        <p:nvSpPr>
+          <p:cNvPr id="6" name="직사각형 5"/>
+          <p:cNvSpPr/>
+          <p:nvPr/>
+        </p:nvSpPr>
+        <p:spPr>
+          <a:xfrm>
+            <a:off x="2864193" y="5964963"/>
+            <a:ext cx="1968843" cy="733167"/>
+          </a:xfrm>
+          <a:prstGeom prst="rect">
+            <a:avLst/>
+          </a:prstGeom>
+          <a:solidFill>
+            <a:schemeClr val="accent6">
+              <a:lumMod val="60000"/>
+              <a:lumOff val="40000"/>
+            </a:schemeClr>
+          </a:solidFill>
+          <a:ln>
+            <a:solidFill>
+              <a:schemeClr val="accent6">
+                <a:lumMod val="50000"/>
+              </a:schemeClr>
+            </a:solidFill>
+          </a:ln>
+        </p:spPr>
+        <p:style>
+          <a:lnRef idx="2">
+            <a:schemeClr val="accent1">
+              <a:shade val="50000"/>
+            </a:schemeClr>
+          </a:lnRef>
+          <a:fillRef idx="1">
+            <a:schemeClr val="accent1"/>
+          </a:fillRef>
+          <a:effectRef idx="0">
+            <a:schemeClr val="accent1"/>
+          </a:effectRef>
+          <a:fontRef idx="minor">
+            <a:schemeClr val="lt1"/>
+          </a:fontRef>
+        </p:style>
+        <p:txBody>
+          <a:bodyPr rtlCol="0" anchor="ctr"/>
+          <a:lstStyle/>
+          <a:p>
+            <a:pPr algn="ctr"/>
+            <a:r>
+              <a:rPr lang="ko-KR" altLang="en-US" sz="2400" dirty="0" smtClean="0">
+                <a:latin typeface="1훈하얀고양이 R" panose="02020603020101020101" pitchFamily="18" charset="-127"/>
+                <a:ea typeface="1훈하얀고양이 R" panose="02020603020101020101" pitchFamily="18" charset="-127"/>
+              </a:rPr>
+              <a:t>상점</a:t>
+            </a:r>
+            <a:r>
+              <a:rPr lang="en-US" altLang="ko-KR" sz="2400" dirty="0" smtClean="0">
+                <a:latin typeface="1훈하얀고양이 R" panose="02020603020101020101" pitchFamily="18" charset="-127"/>
+                <a:ea typeface="1훈하얀고양이 R" panose="02020603020101020101" pitchFamily="18" charset="-127"/>
+              </a:rPr>
+              <a:t> </a:t>
+            </a:r>
+            <a:r>
+              <a:rPr lang="ko-KR" altLang="en-US" sz="2400" dirty="0" smtClean="0">
+                <a:latin typeface="1훈하얀고양이 R" panose="02020603020101020101" pitchFamily="18" charset="-127"/>
+                <a:ea typeface="1훈하얀고양이 R" panose="02020603020101020101" pitchFamily="18" charset="-127"/>
+              </a:rPr>
+              <a:t>필드</a:t>
+            </a:r>
+            <a:r>
+              <a:rPr lang="en-US" altLang="ko-KR" sz="2400" dirty="0" smtClean="0">
+                <a:latin typeface="1훈하얀고양이 R" panose="02020603020101020101" pitchFamily="18" charset="-127"/>
+                <a:ea typeface="1훈하얀고양이 R" panose="02020603020101020101" pitchFamily="18" charset="-127"/>
+              </a:rPr>
+              <a:t>2</a:t>
+            </a:r>
+            <a:endParaRPr lang="ko-KR" altLang="en-US" sz="2400" dirty="0">
+              <a:latin typeface="1훈하얀고양이 R" panose="02020603020101020101" pitchFamily="18" charset="-127"/>
+              <a:ea typeface="1훈하얀고양이 R" panose="02020603020101020101" pitchFamily="18" charset="-127"/>
+            </a:endParaRPr>
+          </a:p>
+        </p:txBody>
+      </p:sp>
+      <p:sp>
+        <p:nvSpPr>
+          <p:cNvPr id="7" name="직사각형 6"/>
+          <p:cNvSpPr/>
+          <p:nvPr/>
+        </p:nvSpPr>
+        <p:spPr>
+          <a:xfrm>
+            <a:off x="5036408" y="5964962"/>
+            <a:ext cx="1968843" cy="733167"/>
+          </a:xfrm>
+          <a:prstGeom prst="rect">
+            <a:avLst/>
+          </a:prstGeom>
+          <a:solidFill>
+            <a:schemeClr val="accent6">
+              <a:lumMod val="60000"/>
+              <a:lumOff val="40000"/>
+            </a:schemeClr>
+          </a:solidFill>
+          <a:ln>
+            <a:solidFill>
+              <a:schemeClr val="accent6">
+                <a:lumMod val="50000"/>
+              </a:schemeClr>
+            </a:solidFill>
+          </a:ln>
+        </p:spPr>
+        <p:style>
+          <a:lnRef idx="2">
+            <a:schemeClr val="accent1">
+              <a:shade val="50000"/>
+            </a:schemeClr>
+          </a:lnRef>
+          <a:fillRef idx="1">
+            <a:schemeClr val="accent1"/>
+          </a:fillRef>
+          <a:effectRef idx="0">
+            <a:schemeClr val="accent1"/>
+          </a:effectRef>
+          <a:fontRef idx="minor">
+            <a:schemeClr val="lt1"/>
+          </a:fontRef>
+        </p:style>
+        <p:txBody>
+          <a:bodyPr rtlCol="0" anchor="ctr"/>
+          <a:lstStyle/>
+          <a:p>
+            <a:pPr algn="ctr"/>
+            <a:r>
+              <a:rPr lang="ko-KR" altLang="en-US" sz="2400" dirty="0" smtClean="0">
+                <a:latin typeface="1훈하얀고양이 R" panose="02020603020101020101" pitchFamily="18" charset="-127"/>
+                <a:ea typeface="1훈하얀고양이 R" panose="02020603020101020101" pitchFamily="18" charset="-127"/>
+              </a:rPr>
+              <a:t>상점</a:t>
+            </a:r>
+            <a:r>
+              <a:rPr lang="en-US" altLang="ko-KR" sz="2400" dirty="0" smtClean="0">
+                <a:latin typeface="1훈하얀고양이 R" panose="02020603020101020101" pitchFamily="18" charset="-127"/>
+                <a:ea typeface="1훈하얀고양이 R" panose="02020603020101020101" pitchFamily="18" charset="-127"/>
+              </a:rPr>
+              <a:t> </a:t>
+            </a:r>
+            <a:r>
+              <a:rPr lang="ko-KR" altLang="en-US" sz="2400" dirty="0" smtClean="0">
+                <a:latin typeface="1훈하얀고양이 R" panose="02020603020101020101" pitchFamily="18" charset="-127"/>
+                <a:ea typeface="1훈하얀고양이 R" panose="02020603020101020101" pitchFamily="18" charset="-127"/>
+              </a:rPr>
+              <a:t>필드</a:t>
+            </a:r>
+            <a:r>
+              <a:rPr lang="en-US" altLang="ko-KR" sz="2400" dirty="0" smtClean="0">
+                <a:latin typeface="1훈하얀고양이 R" panose="02020603020101020101" pitchFamily="18" charset="-127"/>
+                <a:ea typeface="1훈하얀고양이 R" panose="02020603020101020101" pitchFamily="18" charset="-127"/>
+              </a:rPr>
+              <a:t>3</a:t>
+            </a:r>
+            <a:endParaRPr lang="ko-KR" altLang="en-US" sz="2400" dirty="0">
+              <a:latin typeface="1훈하얀고양이 R" panose="02020603020101020101" pitchFamily="18" charset="-127"/>
+              <a:ea typeface="1훈하얀고양이 R" panose="02020603020101020101" pitchFamily="18" charset="-127"/>
+            </a:endParaRPr>
+          </a:p>
+        </p:txBody>
+      </p:sp>
+      <p:sp>
+        <p:nvSpPr>
+          <p:cNvPr id="8" name="직사각형 7"/>
+          <p:cNvSpPr/>
+          <p:nvPr/>
+        </p:nvSpPr>
+        <p:spPr>
+          <a:xfrm>
+            <a:off x="7208623" y="5964962"/>
+            <a:ext cx="1968843" cy="733167"/>
+          </a:xfrm>
+          <a:prstGeom prst="rect">
+            <a:avLst/>
+          </a:prstGeom>
+          <a:solidFill>
+            <a:schemeClr val="accent6">
+              <a:lumMod val="60000"/>
+              <a:lumOff val="40000"/>
+            </a:schemeClr>
+          </a:solidFill>
+          <a:ln>
+            <a:solidFill>
+              <a:schemeClr val="accent6">
+                <a:lumMod val="50000"/>
+              </a:schemeClr>
+            </a:solidFill>
+          </a:ln>
+        </p:spPr>
+        <p:style>
+          <a:lnRef idx="2">
+            <a:schemeClr val="accent1">
+              <a:shade val="50000"/>
+            </a:schemeClr>
+          </a:lnRef>
+          <a:fillRef idx="1">
+            <a:schemeClr val="accent1"/>
+          </a:fillRef>
+          <a:effectRef idx="0">
+            <a:schemeClr val="accent1"/>
+          </a:effectRef>
+          <a:fontRef idx="minor">
+            <a:schemeClr val="lt1"/>
+          </a:fontRef>
+        </p:style>
+        <p:txBody>
+          <a:bodyPr rtlCol="0" anchor="ctr"/>
+          <a:lstStyle/>
+          <a:p>
+            <a:pPr algn="ctr"/>
+            <a:r>
+              <a:rPr lang="ko-KR" altLang="en-US" sz="2400" dirty="0" smtClean="0">
+                <a:latin typeface="1훈하얀고양이 R" panose="02020603020101020101" pitchFamily="18" charset="-127"/>
+                <a:ea typeface="1훈하얀고양이 R" panose="02020603020101020101" pitchFamily="18" charset="-127"/>
+              </a:rPr>
+              <a:t>농장</a:t>
+            </a:r>
+            <a:r>
+              <a:rPr lang="en-US" altLang="ko-KR" sz="2400" dirty="0">
+                <a:latin typeface="1훈하얀고양이 R" panose="02020603020101020101" pitchFamily="18" charset="-127"/>
+                <a:ea typeface="1훈하얀고양이 R" panose="02020603020101020101" pitchFamily="18" charset="-127"/>
+              </a:rPr>
+              <a:t> </a:t>
+            </a:r>
+            <a:r>
+              <a:rPr lang="ko-KR" altLang="en-US" sz="2400" dirty="0" smtClean="0">
+                <a:latin typeface="1훈하얀고양이 R" panose="02020603020101020101" pitchFamily="18" charset="-127"/>
+                <a:ea typeface="1훈하얀고양이 R" panose="02020603020101020101" pitchFamily="18" charset="-127"/>
+              </a:rPr>
+              <a:t>필드</a:t>
+            </a:r>
+            <a:r>
+              <a:rPr lang="en-US" altLang="ko-KR" sz="2400" dirty="0" smtClean="0">
+                <a:latin typeface="1훈하얀고양이 R" panose="02020603020101020101" pitchFamily="18" charset="-127"/>
+                <a:ea typeface="1훈하얀고양이 R" panose="02020603020101020101" pitchFamily="18" charset="-127"/>
+              </a:rPr>
+              <a:t>4</a:t>
+            </a:r>
+            <a:endParaRPr lang="ko-KR" altLang="en-US" sz="2400" dirty="0">
+              <a:latin typeface="1훈하얀고양이 R" panose="02020603020101020101" pitchFamily="18" charset="-127"/>
+              <a:ea typeface="1훈하얀고양이 R" panose="02020603020101020101" pitchFamily="18" charset="-127"/>
+            </a:endParaRPr>
+          </a:p>
+        </p:txBody>
+      </p:sp>
+      <p:cxnSp>
+        <p:nvCxnSpPr>
+          <p:cNvPr id="10" name="직선 화살표 연결선 9"/>
+          <p:cNvCxnSpPr>
+            <a:stCxn id="4" idx="2"/>
+            <a:endCxn id="5" idx="0"/>
+          </p:cNvCxnSpPr>
+          <p:nvPr/>
+        </p:nvCxnSpPr>
+        <p:spPr>
+          <a:xfrm>
+            <a:off x="1676400" y="3197203"/>
+            <a:ext cx="0" cy="2767760"/>
+          </a:xfrm>
+          <a:prstGeom prst="straightConnector1">
+            <a:avLst/>
+          </a:prstGeom>
+          <a:ln>
+            <a:tailEnd type="triangle"/>
+          </a:ln>
+        </p:spPr>
+        <p:style>
+          <a:lnRef idx="1">
+            <a:schemeClr val="accent1"/>
+          </a:lnRef>
+          <a:fillRef idx="0">
+            <a:schemeClr val="accent1"/>
+          </a:fillRef>
+          <a:effectRef idx="0">
+            <a:schemeClr val="accent1"/>
+          </a:effectRef>
+          <a:fontRef idx="minor">
+            <a:schemeClr val="tx1"/>
+          </a:fontRef>
+        </p:style>
+      </p:cxnSp>
+      <p:cxnSp>
+        <p:nvCxnSpPr>
+          <p:cNvPr id="15" name="꺾인 연결선 14"/>
+          <p:cNvCxnSpPr>
+            <a:stCxn id="4" idx="2"/>
+            <a:endCxn id="6" idx="0"/>
+          </p:cNvCxnSpPr>
+          <p:nvPr/>
+        </p:nvCxnSpPr>
+        <p:spPr>
+          <a:xfrm rot="16200000" flipH="1">
+            <a:off x="1378627" y="3494975"/>
+            <a:ext cx="2767760" cy="2172215"/>
+          </a:xfrm>
+          <a:prstGeom prst="bentConnector3">
+            <a:avLst>
+              <a:gd name="adj1" fmla="val 50000"/>
+            </a:avLst>
+          </a:prstGeom>
+          <a:ln>
+            <a:tailEnd type="triangle"/>
+          </a:ln>
+        </p:spPr>
+        <p:style>
+          <a:lnRef idx="1">
+            <a:schemeClr val="accent1"/>
+          </a:lnRef>
+          <a:fillRef idx="0">
+            <a:schemeClr val="accent1"/>
+          </a:fillRef>
+          <a:effectRef idx="0">
+            <a:schemeClr val="accent1"/>
+          </a:effectRef>
+          <a:fontRef idx="minor">
+            <a:schemeClr val="tx1"/>
+          </a:fontRef>
+        </p:style>
+      </p:cxnSp>
+      <p:cxnSp>
+        <p:nvCxnSpPr>
+          <p:cNvPr id="20" name="꺾인 연결선 19"/>
+          <p:cNvCxnSpPr>
+            <a:stCxn id="4" idx="2"/>
+            <a:endCxn id="7" idx="0"/>
+          </p:cNvCxnSpPr>
+          <p:nvPr/>
+        </p:nvCxnSpPr>
+        <p:spPr>
+          <a:xfrm rot="16200000" flipH="1">
+            <a:off x="2464736" y="2408867"/>
+            <a:ext cx="2767759" cy="4344430"/>
+          </a:xfrm>
+          <a:prstGeom prst="bentConnector3">
+            <a:avLst>
+              <a:gd name="adj1" fmla="val 50000"/>
+            </a:avLst>
+          </a:prstGeom>
+          <a:ln>
+            <a:tailEnd type="triangle"/>
+          </a:ln>
+        </p:spPr>
+        <p:style>
+          <a:lnRef idx="1">
+            <a:schemeClr val="accent1"/>
+          </a:lnRef>
+          <a:fillRef idx="0">
+            <a:schemeClr val="accent1"/>
+          </a:fillRef>
+          <a:effectRef idx="0">
+            <a:schemeClr val="accent1"/>
+          </a:effectRef>
+          <a:fontRef idx="minor">
+            <a:schemeClr val="tx1"/>
+          </a:fontRef>
+        </p:style>
+      </p:cxnSp>
+      <p:cxnSp>
+        <p:nvCxnSpPr>
+          <p:cNvPr id="24" name="꺾인 연결선 23"/>
+          <p:cNvCxnSpPr>
+            <a:stCxn id="4" idx="2"/>
+            <a:endCxn id="8" idx="0"/>
+          </p:cNvCxnSpPr>
+          <p:nvPr/>
+        </p:nvCxnSpPr>
+        <p:spPr>
+          <a:xfrm rot="16200000" flipH="1">
+            <a:off x="3550843" y="1322759"/>
+            <a:ext cx="2767759" cy="6516645"/>
+          </a:xfrm>
+          <a:prstGeom prst="bentConnector3">
+            <a:avLst>
+              <a:gd name="adj1" fmla="val 50000"/>
+            </a:avLst>
+          </a:prstGeom>
+          <a:ln>
+            <a:tailEnd type="triangle"/>
+          </a:ln>
+        </p:spPr>
+        <p:style>
+          <a:lnRef idx="1">
+            <a:schemeClr val="accent1"/>
+          </a:lnRef>
+          <a:fillRef idx="0">
+            <a:schemeClr val="accent1"/>
+          </a:fillRef>
+          <a:effectRef idx="0">
+            <a:schemeClr val="accent1"/>
+          </a:effectRef>
+          <a:fontRef idx="minor">
+            <a:schemeClr val="tx1"/>
+          </a:fontRef>
+        </p:style>
+      </p:cxnSp>
+      <p:sp>
+        <p:nvSpPr>
+          <p:cNvPr id="21" name="제목 1"/>
+          <p:cNvSpPr txBox="1">
+            <a:spLocks/>
+          </p:cNvSpPr>
+          <p:nvPr/>
+        </p:nvSpPr>
+        <p:spPr>
+          <a:xfrm>
+            <a:off x="339436" y="-29803"/>
+            <a:ext cx="10515600" cy="1325563"/>
+          </a:xfrm>
+          <a:prstGeom prst="rect">
+            <a:avLst/>
+          </a:prstGeom>
+        </p:spPr>
+        <p:txBody>
+          <a:bodyPr vert="horz" lIns="91440" tIns="45720" rIns="91440" bIns="45720" rtlCol="0" anchor="b">
+            <a:noAutofit/>
+          </a:bodyPr>
+          <a:lstStyle>
+            <a:lvl1pPr algn="ctr" defTabSz="914400" rtl="0" eaLnBrk="1" latinLnBrk="1" hangingPunct="1">
+              <a:lnSpc>
+                <a:spcPct val="90000"/>
+              </a:lnSpc>
+              <a:spcBef>
+                <a:spcPct val="0"/>
+              </a:spcBef>
+              <a:buNone/>
+              <a:defRPr sz="6000" kern="1200">
+                <a:solidFill>
+                  <a:schemeClr val="tx1"/>
+                </a:solidFill>
+                <a:latin typeface="+mj-lt"/>
+                <a:ea typeface="+mj-ea"/>
+                <a:cs typeface="+mj-cs"/>
+              </a:defRPr>
+            </a:lvl1pPr>
+          </a:lstStyle>
+          <a:p>
+            <a:pPr algn="l"/>
+            <a:r>
+              <a:rPr lang="ko-KR" altLang="en-US" dirty="0" smtClean="0">
+                <a:solidFill>
+                  <a:srgbClr val="006A0E"/>
+                </a:solidFill>
+                <a:latin typeface="1훈하얀고양이 R" panose="02020603020101020101" pitchFamily="18" charset="-127"/>
+                <a:ea typeface="1훈하얀고양이 R" panose="02020603020101020101" pitchFamily="18" charset="-127"/>
+              </a:rPr>
+              <a:t>상점 스테이지 구성</a:t>
+            </a:r>
+            <a:endParaRPr lang="ko-KR" altLang="en-US" dirty="0">
+              <a:solidFill>
+                <a:srgbClr val="006A0E"/>
+              </a:solidFill>
+              <a:latin typeface="1훈하얀고양이 R" panose="02020603020101020101" pitchFamily="18" charset="-127"/>
+              <a:ea typeface="1훈하얀고양이 R" panose="02020603020101020101" pitchFamily="18" charset="-127"/>
+            </a:endParaRPr>
+          </a:p>
+        </p:txBody>
+      </p:sp>
+      <p:sp>
+        <p:nvSpPr>
+          <p:cNvPr id="22" name="직사각형 21"/>
+          <p:cNvSpPr/>
+          <p:nvPr/>
+        </p:nvSpPr>
+        <p:spPr>
+          <a:xfrm>
+            <a:off x="3848614" y="2464035"/>
+            <a:ext cx="1968843" cy="733167"/>
+          </a:xfrm>
+          <a:prstGeom prst="rect">
+            <a:avLst/>
+          </a:prstGeom>
+          <a:solidFill>
+            <a:schemeClr val="accent6">
+              <a:lumMod val="60000"/>
+              <a:lumOff val="40000"/>
+            </a:schemeClr>
+          </a:solidFill>
+          <a:ln>
+            <a:solidFill>
+              <a:schemeClr val="accent6">
+                <a:lumMod val="50000"/>
+              </a:schemeClr>
+            </a:solidFill>
+          </a:ln>
+        </p:spPr>
+        <p:style>
+          <a:lnRef idx="2">
+            <a:schemeClr val="accent1">
+              <a:shade val="50000"/>
+            </a:schemeClr>
+          </a:lnRef>
+          <a:fillRef idx="1">
+            <a:schemeClr val="accent1"/>
+          </a:fillRef>
+          <a:effectRef idx="0">
+            <a:schemeClr val="accent1"/>
+          </a:effectRef>
+          <a:fontRef idx="minor">
+            <a:schemeClr val="lt1"/>
+          </a:fontRef>
+        </p:style>
+        <p:txBody>
+          <a:bodyPr rtlCol="0" anchor="ctr"/>
+          <a:lstStyle/>
+          <a:p>
+            <a:pPr algn="ctr"/>
+            <a:r>
+              <a:rPr lang="ko-KR" altLang="en-US" sz="2400" dirty="0" smtClean="0">
+                <a:latin typeface="1훈하얀고양이 R" panose="02020603020101020101" pitchFamily="18" charset="-127"/>
+                <a:ea typeface="1훈하얀고양이 R" panose="02020603020101020101" pitchFamily="18" charset="-127"/>
+              </a:rPr>
+              <a:t>상점 </a:t>
+            </a:r>
+            <a:r>
+              <a:rPr lang="en-US" altLang="ko-KR" sz="2400" dirty="0" smtClean="0">
+                <a:latin typeface="1훈하얀고양이 R" panose="02020603020101020101" pitchFamily="18" charset="-127"/>
+                <a:ea typeface="1훈하얀고양이 R" panose="02020603020101020101" pitchFamily="18" charset="-127"/>
+              </a:rPr>
+              <a:t>UI</a:t>
+            </a:r>
+            <a:endParaRPr lang="ko-KR" altLang="en-US" sz="2400" dirty="0">
+              <a:latin typeface="1훈하얀고양이 R" panose="02020603020101020101" pitchFamily="18" charset="-127"/>
+              <a:ea typeface="1훈하얀고양이 R" panose="02020603020101020101" pitchFamily="18" charset="-127"/>
+            </a:endParaRPr>
+          </a:p>
+        </p:txBody>
+      </p:sp>
+      <p:cxnSp>
+        <p:nvCxnSpPr>
+          <p:cNvPr id="16" name="직선 화살표 연결선 15"/>
+          <p:cNvCxnSpPr>
+            <a:stCxn id="4" idx="3"/>
+            <a:endCxn id="22" idx="1"/>
+          </p:cNvCxnSpPr>
+          <p:nvPr/>
+        </p:nvCxnSpPr>
+        <p:spPr>
+          <a:xfrm flipV="1">
+            <a:off x="2660821" y="2830619"/>
+            <a:ext cx="1187793" cy="1"/>
+          </a:xfrm>
+          <a:prstGeom prst="straightConnector1">
+            <a:avLst/>
+          </a:prstGeom>
+          <a:ln>
+            <a:tailEnd type="triangle"/>
+          </a:ln>
+        </p:spPr>
+        <p:style>
+          <a:lnRef idx="1">
+            <a:schemeClr val="accent1"/>
+          </a:lnRef>
+          <a:fillRef idx="0">
+            <a:schemeClr val="accent1"/>
+          </a:fillRef>
+          <a:effectRef idx="0">
+            <a:schemeClr val="accent1"/>
+          </a:effectRef>
+          <a:fontRef idx="minor">
+            <a:schemeClr val="tx1"/>
+          </a:fontRef>
+        </p:style>
+      </p:cxnSp>
+      <p:sp>
+        <p:nvSpPr>
+          <p:cNvPr id="38" name="직사각형 37"/>
+          <p:cNvSpPr/>
+          <p:nvPr/>
+        </p:nvSpPr>
+        <p:spPr>
+          <a:xfrm>
+            <a:off x="6224201" y="1513313"/>
+            <a:ext cx="1968843" cy="733167"/>
+          </a:xfrm>
+          <a:prstGeom prst="rect">
+            <a:avLst/>
+          </a:prstGeom>
+          <a:solidFill>
+            <a:schemeClr val="accent6">
+              <a:lumMod val="60000"/>
+              <a:lumOff val="40000"/>
+            </a:schemeClr>
+          </a:solidFill>
+          <a:ln>
+            <a:solidFill>
+              <a:schemeClr val="accent6">
+                <a:lumMod val="50000"/>
+              </a:schemeClr>
+            </a:solidFill>
+          </a:ln>
+        </p:spPr>
+        <p:style>
+          <a:lnRef idx="2">
+            <a:schemeClr val="accent1">
+              <a:shade val="50000"/>
+            </a:schemeClr>
+          </a:lnRef>
+          <a:fillRef idx="1">
+            <a:schemeClr val="accent1"/>
+          </a:fillRef>
+          <a:effectRef idx="0">
+            <a:schemeClr val="accent1"/>
+          </a:effectRef>
+          <a:fontRef idx="minor">
+            <a:schemeClr val="lt1"/>
+          </a:fontRef>
+        </p:style>
+        <p:txBody>
+          <a:bodyPr rtlCol="0" anchor="ctr"/>
+          <a:lstStyle/>
+          <a:p>
+            <a:pPr algn="ctr"/>
+            <a:r>
+              <a:rPr lang="ko-KR" altLang="en-US" sz="2400" smtClean="0">
+                <a:latin typeface="1훈하얀고양이 R" panose="02020603020101020101" pitchFamily="18" charset="-127"/>
+                <a:ea typeface="1훈하얀고양이 R" panose="02020603020101020101" pitchFamily="18" charset="-127"/>
+              </a:rPr>
+              <a:t>작물 정보</a:t>
+            </a:r>
+            <a:endParaRPr lang="ko-KR" altLang="en-US" sz="2400" dirty="0">
+              <a:latin typeface="1훈하얀고양이 R" panose="02020603020101020101" pitchFamily="18" charset="-127"/>
+              <a:ea typeface="1훈하얀고양이 R" panose="02020603020101020101" pitchFamily="18" charset="-127"/>
+            </a:endParaRPr>
+          </a:p>
+        </p:txBody>
+      </p:sp>
+      <p:cxnSp>
+        <p:nvCxnSpPr>
+          <p:cNvPr id="37" name="꺾인 연결선 36"/>
+          <p:cNvCxnSpPr>
+            <a:stCxn id="38" idx="0"/>
+            <a:endCxn id="4" idx="0"/>
+          </p:cNvCxnSpPr>
+          <p:nvPr/>
+        </p:nvCxnSpPr>
+        <p:spPr>
+          <a:xfrm rot="16200000" flipH="1" flipV="1">
+            <a:off x="3967150" y="-777438"/>
+            <a:ext cx="950723" cy="5532223"/>
+          </a:xfrm>
+          <a:prstGeom prst="bentConnector3">
+            <a:avLst>
+              <a:gd name="adj1" fmla="val -24045"/>
+            </a:avLst>
+          </a:prstGeom>
+          <a:ln>
+            <a:tailEnd type="triangle"/>
+          </a:ln>
+        </p:spPr>
+        <p:style>
+          <a:lnRef idx="1">
+            <a:schemeClr val="accent1"/>
+          </a:lnRef>
+          <a:fillRef idx="0">
+            <a:schemeClr val="accent1"/>
+          </a:fillRef>
+          <a:effectRef idx="0">
+            <a:schemeClr val="accent1"/>
+          </a:effectRef>
+          <a:fontRef idx="minor">
+            <a:schemeClr val="tx1"/>
+          </a:fontRef>
+        </p:style>
+      </p:cxnSp>
+      <p:sp>
+        <p:nvSpPr>
+          <p:cNvPr id="55" name="직사각형 54"/>
+          <p:cNvSpPr/>
+          <p:nvPr/>
+        </p:nvSpPr>
+        <p:spPr>
+          <a:xfrm>
+            <a:off x="7411995" y="2355257"/>
+            <a:ext cx="1968843" cy="733167"/>
+          </a:xfrm>
+          <a:prstGeom prst="rect">
+            <a:avLst/>
+          </a:prstGeom>
+          <a:solidFill>
+            <a:schemeClr val="accent6">
+              <a:lumMod val="60000"/>
+              <a:lumOff val="40000"/>
+            </a:schemeClr>
+          </a:solidFill>
+          <a:ln>
+            <a:solidFill>
+              <a:schemeClr val="accent6">
+                <a:lumMod val="50000"/>
+              </a:schemeClr>
+            </a:solidFill>
+          </a:ln>
+        </p:spPr>
+        <p:style>
+          <a:lnRef idx="2">
+            <a:schemeClr val="accent1">
+              <a:shade val="50000"/>
+            </a:schemeClr>
+          </a:lnRef>
+          <a:fillRef idx="1">
+            <a:schemeClr val="accent1"/>
+          </a:fillRef>
+          <a:effectRef idx="0">
+            <a:schemeClr val="accent1"/>
+          </a:effectRef>
+          <a:fontRef idx="minor">
+            <a:schemeClr val="lt1"/>
+          </a:fontRef>
+        </p:style>
+        <p:txBody>
+          <a:bodyPr rtlCol="0" anchor="ctr"/>
+          <a:lstStyle/>
+          <a:p>
+            <a:pPr algn="ctr"/>
+            <a:r>
+              <a:rPr lang="ko-KR" altLang="en-US" sz="2400" dirty="0" smtClean="0">
+                <a:latin typeface="1훈하얀고양이 R" panose="02020603020101020101" pitchFamily="18" charset="-127"/>
+                <a:ea typeface="1훈하얀고양이 R" panose="02020603020101020101" pitchFamily="18" charset="-127"/>
+              </a:rPr>
+              <a:t>스킬 정보</a:t>
+            </a:r>
+            <a:endParaRPr lang="ko-KR" altLang="en-US" sz="2400" dirty="0">
+              <a:latin typeface="1훈하얀고양이 R" panose="02020603020101020101" pitchFamily="18" charset="-127"/>
+              <a:ea typeface="1훈하얀고양이 R" panose="02020603020101020101" pitchFamily="18" charset="-127"/>
+            </a:endParaRPr>
+          </a:p>
+        </p:txBody>
+      </p:sp>
+      <p:sp>
+        <p:nvSpPr>
+          <p:cNvPr id="56" name="직사각형 55"/>
+          <p:cNvSpPr/>
+          <p:nvPr/>
+        </p:nvSpPr>
+        <p:spPr>
+          <a:xfrm>
+            <a:off x="8886193" y="1513313"/>
+            <a:ext cx="1968843" cy="733167"/>
+          </a:xfrm>
+          <a:prstGeom prst="rect">
+            <a:avLst/>
+          </a:prstGeom>
+          <a:solidFill>
+            <a:schemeClr val="accent6">
+              <a:lumMod val="60000"/>
+              <a:lumOff val="40000"/>
+            </a:schemeClr>
+          </a:solidFill>
+          <a:ln>
+            <a:solidFill>
+              <a:schemeClr val="accent6">
+                <a:lumMod val="50000"/>
+              </a:schemeClr>
+            </a:solidFill>
+          </a:ln>
+        </p:spPr>
+        <p:style>
+          <a:lnRef idx="2">
+            <a:schemeClr val="accent1">
+              <a:shade val="50000"/>
+            </a:schemeClr>
+          </a:lnRef>
+          <a:fillRef idx="1">
+            <a:schemeClr val="accent1"/>
+          </a:fillRef>
+          <a:effectRef idx="0">
+            <a:schemeClr val="accent1"/>
+          </a:effectRef>
+          <a:fontRef idx="minor">
+            <a:schemeClr val="lt1"/>
+          </a:fontRef>
+        </p:style>
+        <p:txBody>
+          <a:bodyPr rtlCol="0" anchor="ctr"/>
+          <a:lstStyle/>
+          <a:p>
+            <a:pPr algn="ctr"/>
+            <a:r>
+              <a:rPr lang="ko-KR" altLang="en-US" sz="2400" smtClean="0">
+                <a:latin typeface="1훈하얀고양이 R" panose="02020603020101020101" pitchFamily="18" charset="-127"/>
+                <a:ea typeface="1훈하얀고양이 R" panose="02020603020101020101" pitchFamily="18" charset="-127"/>
+              </a:rPr>
+              <a:t>사람 </a:t>
+            </a:r>
+            <a:r>
+              <a:rPr lang="ko-KR" altLang="en-US" sz="2400" dirty="0" smtClean="0">
+                <a:latin typeface="1훈하얀고양이 R" panose="02020603020101020101" pitchFamily="18" charset="-127"/>
+                <a:ea typeface="1훈하얀고양이 R" panose="02020603020101020101" pitchFamily="18" charset="-127"/>
+              </a:rPr>
+              <a:t>정보</a:t>
+            </a:r>
+            <a:endParaRPr lang="ko-KR" altLang="en-US" sz="2400" dirty="0">
+              <a:latin typeface="1훈하얀고양이 R" panose="02020603020101020101" pitchFamily="18" charset="-127"/>
+              <a:ea typeface="1훈하얀고양이 R" panose="02020603020101020101" pitchFamily="18" charset="-127"/>
+            </a:endParaRPr>
+          </a:p>
+        </p:txBody>
+      </p:sp>
+    </p:spTree>
+    <p:extLst>
+      <p:ext uri="{BB962C8B-B14F-4D97-AF65-F5344CB8AC3E}">
+        <p14:creationId xmlns:p14="http://schemas.microsoft.com/office/powerpoint/2010/main" val="1743130339"/>
+      </p:ext>
+    </p:extLst>
+  </p:cSld>
+  <p:clrMapOvr>
+    <a:masterClrMapping/>
+  </p:clrMapOvr>
+</p:sld>
+</file>
+
+<file path=ppt/slides/slide6.xml><?xml version="1.0" encoding="utf-8"?>
+<p:sld xmlns:a="http://schemas.openxmlformats.org/drawingml/2006/main" xmlns:r="http://schemas.openxmlformats.org/officeDocument/2006/relationships" xmlns:p="http://schemas.openxmlformats.org/presentationml/2006/main">
+  <p:cSld>
+    <p:bg>
+      <p:bgPr>
+        <a:blipFill dpi="0" rotWithShape="1">
+          <a:blip r:embed="rId2">
+            <a:alphaModFix amt="30000"/>
+            <a:lum/>
+          </a:blip>
+          <a:srcRect/>
+          <a:stretch>
+            <a:fillRect t="-7000" b="-7000"/>
+          </a:stretch>
+        </a:blipFill>
+        <a:effectLst/>
+      </p:bgPr>
+    </p:bg>
+    <p:spTree>
+      <p:nvGrpSpPr>
+        <p:cNvPr id="1" name=""/>
+        <p:cNvGrpSpPr/>
+        <p:nvPr/>
+      </p:nvGrpSpPr>
+      <p:grpSpPr>
+        <a:xfrm>
+          <a:off x="0" y="0"/>
+          <a:ext cx="0" cy="0"/>
+          <a:chOff x="0" y="0"/>
+          <a:chExt cx="0" cy="0"/>
+        </a:xfrm>
+      </p:grpSpPr>
+      <p:sp>
+        <p:nvSpPr>
+          <p:cNvPr id="4" name="제목 1"/>
+          <p:cNvSpPr txBox="1">
+            <a:spLocks/>
+          </p:cNvSpPr>
+          <p:nvPr/>
+        </p:nvSpPr>
+        <p:spPr>
+          <a:xfrm>
+            <a:off x="339436" y="-29803"/>
+            <a:ext cx="10515600" cy="1325563"/>
+          </a:xfrm>
+          <a:prstGeom prst="rect">
+            <a:avLst/>
+          </a:prstGeom>
+        </p:spPr>
+        <p:txBody>
+          <a:bodyPr vert="horz" lIns="91440" tIns="45720" rIns="91440" bIns="45720" rtlCol="0" anchor="b">
+            <a:noAutofit/>
+          </a:bodyPr>
+          <a:lstStyle>
+            <a:lvl1pPr algn="ctr" defTabSz="914400" rtl="0" eaLnBrk="1" latinLnBrk="1" hangingPunct="1">
+              <a:lnSpc>
+                <a:spcPct val="90000"/>
+              </a:lnSpc>
+              <a:spcBef>
+                <a:spcPct val="0"/>
+              </a:spcBef>
+              <a:buNone/>
+              <a:defRPr sz="6000" kern="1200">
+                <a:solidFill>
+                  <a:schemeClr val="tx1"/>
+                </a:solidFill>
+                <a:latin typeface="+mj-lt"/>
+                <a:ea typeface="+mj-ea"/>
+                <a:cs typeface="+mj-cs"/>
+              </a:defRPr>
+            </a:lvl1pPr>
+          </a:lstStyle>
+          <a:p>
+            <a:pPr algn="l"/>
+            <a:r>
+              <a:rPr lang="ko-KR" altLang="en-US" dirty="0" smtClean="0">
+                <a:solidFill>
+                  <a:srgbClr val="006A0E"/>
+                </a:solidFill>
+                <a:latin typeface="1훈하얀고양이 R" panose="02020603020101020101" pitchFamily="18" charset="-127"/>
+                <a:ea typeface="1훈하얀고양이 R" panose="02020603020101020101" pitchFamily="18" charset="-127"/>
+              </a:rPr>
+              <a:t>농장 전경</a:t>
+            </a:r>
+            <a:endParaRPr lang="ko-KR" altLang="en-US" dirty="0">
+              <a:solidFill>
+                <a:srgbClr val="006A0E"/>
+              </a:solidFill>
+              <a:latin typeface="1훈하얀고양이 R" panose="02020603020101020101" pitchFamily="18" charset="-127"/>
+              <a:ea typeface="1훈하얀고양이 R" panose="02020603020101020101" pitchFamily="18" charset="-127"/>
+            </a:endParaRPr>
+          </a:p>
+        </p:txBody>
+      </p:sp>
       <p:sp>
         <p:nvSpPr>
           <p:cNvPr id="3" name="직사각형 2"/>
@@ -6033,7 +9054,7 @@
 </p:sld>
 </file>
 
-<file path=ppt/slides/slide4.xml><?xml version="1.0" encoding="utf-8"?>
+<file path=ppt/slides/slide7.xml><?xml version="1.0" encoding="utf-8"?>
 <p:sld xmlns:a="http://schemas.openxmlformats.org/drawingml/2006/main" xmlns:r="http://schemas.openxmlformats.org/officeDocument/2006/relationships" xmlns:p="http://schemas.openxmlformats.org/presentationml/2006/main">
   <p:cSld>
     <p:bg>
@@ -6992,7 +10013,7 @@
 </p:sld>
 </file>
 
-<file path=ppt/slides/slide5.xml><?xml version="1.0" encoding="utf-8"?>
+<file path=ppt/slides/slide8.xml><?xml version="1.0" encoding="utf-8"?>
 <p:sld xmlns:a="http://schemas.openxmlformats.org/drawingml/2006/main" xmlns:r="http://schemas.openxmlformats.org/officeDocument/2006/relationships" xmlns:p="http://schemas.openxmlformats.org/presentationml/2006/main">
   <p:cSld>
     <p:bg>
@@ -7532,11 +10553,7 @@
                       </a:pPr>
                       <a:r>
                         <a:rPr lang="en-US" altLang="ko-KR" dirty="0" smtClean="0"/>
-                        <a:t>80 </a:t>
-                      </a:r>
-                      <a:r>
-                        <a:rPr lang="en-US" altLang="ko-KR" dirty="0" smtClean="0"/>
-                        <a:t>+- ?%</a:t>
+                        <a:t>80 +- ?%</a:t>
                       </a:r>
                       <a:endParaRPr lang="ko-KR" altLang="en-US" dirty="0"/>
                     </a:p>
@@ -7584,11 +10601,7 @@
                       </a:pPr>
                       <a:r>
                         <a:rPr lang="en-US" altLang="ko-KR" dirty="0" smtClean="0"/>
-                        <a:t>55 </a:t>
-                      </a:r>
-                      <a:r>
-                        <a:rPr lang="en-US" altLang="ko-KR" dirty="0" smtClean="0"/>
-                        <a:t>+- ?%</a:t>
+                        <a:t>55 +- ?%</a:t>
                       </a:r>
                       <a:endParaRPr lang="ko-KR" altLang="en-US" dirty="0"/>
                     </a:p>
@@ -7636,11 +10649,7 @@
                       </a:pPr>
                       <a:r>
                         <a:rPr lang="en-US" altLang="ko-KR" dirty="0" smtClean="0"/>
-                        <a:t>50 </a:t>
-                      </a:r>
-                      <a:r>
-                        <a:rPr lang="en-US" altLang="ko-KR" dirty="0" smtClean="0"/>
-                        <a:t>+- ?%</a:t>
+                        <a:t>50 +- ?%</a:t>
                       </a:r>
                       <a:endParaRPr lang="ko-KR" altLang="en-US" dirty="0"/>
                     </a:p>
@@ -7871,7 +10880,7 @@
 </p:sld>
 </file>
 
-<file path=ppt/slides/slide6.xml><?xml version="1.0" encoding="utf-8"?>
+<file path=ppt/slides/slide9.xml><?xml version="1.0" encoding="utf-8"?>
 <p:sld xmlns:a="http://schemas.openxmlformats.org/drawingml/2006/main" xmlns:r="http://schemas.openxmlformats.org/officeDocument/2006/relationships" xmlns:p="http://schemas.openxmlformats.org/presentationml/2006/main">
   <p:cSld>
     <p:bg>
@@ -8261,123 +11270,6 @@
     <p:extLst>
       <p:ext uri="{BB962C8B-B14F-4D97-AF65-F5344CB8AC3E}">
         <p14:creationId xmlns:p14="http://schemas.microsoft.com/office/powerpoint/2010/main" val="2843388514"/>
-      </p:ext>
-    </p:extLst>
-  </p:cSld>
-  <p:clrMapOvr>
-    <a:masterClrMapping/>
-  </p:clrMapOvr>
-</p:sld>
-</file>
-
-<file path=ppt/slides/slide7.xml><?xml version="1.0" encoding="utf-8"?>
-<p:sld xmlns:a="http://schemas.openxmlformats.org/drawingml/2006/main" xmlns:r="http://schemas.openxmlformats.org/officeDocument/2006/relationships" xmlns:p="http://schemas.openxmlformats.org/presentationml/2006/main">
-  <p:cSld>
-    <p:bg>
-      <p:bgPr>
-        <a:blipFill dpi="0" rotWithShape="1">
-          <a:blip r:embed="rId2">
-            <a:alphaModFix amt="30000"/>
-            <a:lum/>
-          </a:blip>
-          <a:srcRect/>
-          <a:stretch>
-            <a:fillRect t="-13000" b="-13000"/>
-          </a:stretch>
-        </a:blipFill>
-        <a:effectLst/>
-      </p:bgPr>
-    </p:bg>
-    <p:spTree>
-      <p:nvGrpSpPr>
-        <p:cNvPr id="1" name=""/>
-        <p:cNvGrpSpPr/>
-        <p:nvPr/>
-      </p:nvGrpSpPr>
-      <p:grpSpPr>
-        <a:xfrm>
-          <a:off x="0" y="0"/>
-          <a:ext cx="0" cy="0"/>
-          <a:chOff x="0" y="0"/>
-          <a:chExt cx="0" cy="0"/>
-        </a:xfrm>
-      </p:grpSpPr>
-      <p:sp>
-        <p:nvSpPr>
-          <p:cNvPr id="2" name="제목 1"/>
-          <p:cNvSpPr txBox="1">
-            <a:spLocks/>
-          </p:cNvSpPr>
-          <p:nvPr/>
-        </p:nvSpPr>
-        <p:spPr>
-          <a:xfrm>
-            <a:off x="2667000" y="2648741"/>
-            <a:ext cx="10515600" cy="1325563"/>
-          </a:xfrm>
-          <a:prstGeom prst="rect">
-            <a:avLst/>
-          </a:prstGeom>
-        </p:spPr>
-        <p:txBody>
-          <a:bodyPr vert="horz" lIns="91440" tIns="45720" rIns="91440" bIns="45720" rtlCol="0" anchor="b">
-            <a:noAutofit/>
-          </a:bodyPr>
-          <a:lstStyle>
-            <a:lvl1pPr algn="ctr" defTabSz="914400" rtl="0" eaLnBrk="1" latinLnBrk="1" hangingPunct="1">
-              <a:lnSpc>
-                <a:spcPct val="90000"/>
-              </a:lnSpc>
-              <a:spcBef>
-                <a:spcPct val="0"/>
-              </a:spcBef>
-              <a:buNone/>
-              <a:defRPr sz="6000" kern="1200">
-                <a:solidFill>
-                  <a:schemeClr val="tx1"/>
-                </a:solidFill>
-                <a:latin typeface="+mj-lt"/>
-                <a:ea typeface="+mj-ea"/>
-                <a:cs typeface="+mj-cs"/>
-              </a:defRPr>
-            </a:lvl1pPr>
-          </a:lstStyle>
-          <a:p>
-            <a:pPr algn="l"/>
-            <a:r>
-              <a:rPr lang="ko-KR" altLang="en-US" sz="8000" dirty="0" smtClean="0">
-                <a:solidFill>
-                  <a:srgbClr val="006A0E"/>
-                </a:solidFill>
-                <a:latin typeface="1훈하얀고양이 R" panose="02020603020101020101" pitchFamily="18" charset="-127"/>
-                <a:ea typeface="1훈하얀고양이 R" panose="02020603020101020101" pitchFamily="18" charset="-127"/>
-              </a:rPr>
-              <a:t>물어볼 것이 있으신가요</a:t>
-            </a:r>
-            <a:r>
-              <a:rPr lang="en-US" altLang="ko-KR" sz="8000" dirty="0" smtClean="0">
-                <a:solidFill>
-                  <a:srgbClr val="006A0E"/>
-                </a:solidFill>
-                <a:latin typeface="1훈하얀고양이 R" panose="02020603020101020101" pitchFamily="18" charset="-127"/>
-                <a:ea typeface="1훈하얀고양이 R" panose="02020603020101020101" pitchFamily="18" charset="-127"/>
-              </a:rPr>
-              <a:t>?</a:t>
-            </a:r>
-            <a:endParaRPr lang="ko-KR" altLang="en-US" sz="8000" dirty="0">
-              <a:solidFill>
-                <a:srgbClr val="006A0E"/>
-              </a:solidFill>
-              <a:latin typeface="1훈하얀고양이 R" panose="02020603020101020101" pitchFamily="18" charset="-127"/>
-              <a:ea typeface="1훈하얀고양이 R" panose="02020603020101020101" pitchFamily="18" charset="-127"/>
-            </a:endParaRPr>
-          </a:p>
-        </p:txBody>
-      </p:sp>
-    </p:spTree>
-    <p:extLst>
-      <p:ext uri="{BB962C8B-B14F-4D97-AF65-F5344CB8AC3E}">
-        <p14:creationId xmlns:p14="http://schemas.microsoft.com/office/powerpoint/2010/main" val="285737419"/>
       </p:ext>
     </p:extLst>
   </p:cSld>
